--- a/figures/fig2.parts/figure2.pptx
+++ b/figures/fig2.parts/figure2.pptx
@@ -259,7 +259,7 @@
           <a:p>
             <a:fld id="{1D111DE1-2521-E24F-8084-98DD5DFF5F08}" type="datetimeFigureOut">
               <a:rPr lang="en-US" smtClean="0"/>
-              <a:t>3/25/20</a:t>
+              <a:t>5/26/20</a:t>
             </a:fld>
             <a:endParaRPr lang="en-US"/>
           </a:p>
@@ -457,7 +457,7 @@
           <a:p>
             <a:fld id="{1D111DE1-2521-E24F-8084-98DD5DFF5F08}" type="datetimeFigureOut">
               <a:rPr lang="en-US" smtClean="0"/>
-              <a:t>3/25/20</a:t>
+              <a:t>5/26/20</a:t>
             </a:fld>
             <a:endParaRPr lang="en-US"/>
           </a:p>
@@ -665,7 +665,7 @@
           <a:p>
             <a:fld id="{1D111DE1-2521-E24F-8084-98DD5DFF5F08}" type="datetimeFigureOut">
               <a:rPr lang="en-US" smtClean="0"/>
-              <a:t>3/25/20</a:t>
+              <a:t>5/26/20</a:t>
             </a:fld>
             <a:endParaRPr lang="en-US"/>
           </a:p>
@@ -863,7 +863,7 @@
           <a:p>
             <a:fld id="{1D111DE1-2521-E24F-8084-98DD5DFF5F08}" type="datetimeFigureOut">
               <a:rPr lang="en-US" smtClean="0"/>
-              <a:t>3/25/20</a:t>
+              <a:t>5/26/20</a:t>
             </a:fld>
             <a:endParaRPr lang="en-US"/>
           </a:p>
@@ -1138,7 +1138,7 @@
           <a:p>
             <a:fld id="{1D111DE1-2521-E24F-8084-98DD5DFF5F08}" type="datetimeFigureOut">
               <a:rPr lang="en-US" smtClean="0"/>
-              <a:t>3/25/20</a:t>
+              <a:t>5/26/20</a:t>
             </a:fld>
             <a:endParaRPr lang="en-US"/>
           </a:p>
@@ -1403,7 +1403,7 @@
           <a:p>
             <a:fld id="{1D111DE1-2521-E24F-8084-98DD5DFF5F08}" type="datetimeFigureOut">
               <a:rPr lang="en-US" smtClean="0"/>
-              <a:t>3/25/20</a:t>
+              <a:t>5/26/20</a:t>
             </a:fld>
             <a:endParaRPr lang="en-US"/>
           </a:p>
@@ -1815,7 +1815,7 @@
           <a:p>
             <a:fld id="{1D111DE1-2521-E24F-8084-98DD5DFF5F08}" type="datetimeFigureOut">
               <a:rPr lang="en-US" smtClean="0"/>
-              <a:t>3/25/20</a:t>
+              <a:t>5/26/20</a:t>
             </a:fld>
             <a:endParaRPr lang="en-US"/>
           </a:p>
@@ -1956,7 +1956,7 @@
           <a:p>
             <a:fld id="{1D111DE1-2521-E24F-8084-98DD5DFF5F08}" type="datetimeFigureOut">
               <a:rPr lang="en-US" smtClean="0"/>
-              <a:t>3/25/20</a:t>
+              <a:t>5/26/20</a:t>
             </a:fld>
             <a:endParaRPr lang="en-US"/>
           </a:p>
@@ -2069,7 +2069,7 @@
           <a:p>
             <a:fld id="{1D111DE1-2521-E24F-8084-98DD5DFF5F08}" type="datetimeFigureOut">
               <a:rPr lang="en-US" smtClean="0"/>
-              <a:t>3/25/20</a:t>
+              <a:t>5/26/20</a:t>
             </a:fld>
             <a:endParaRPr lang="en-US"/>
           </a:p>
@@ -2380,7 +2380,7 @@
           <a:p>
             <a:fld id="{1D111DE1-2521-E24F-8084-98DD5DFF5F08}" type="datetimeFigureOut">
               <a:rPr lang="en-US" smtClean="0"/>
-              <a:t>3/25/20</a:t>
+              <a:t>5/26/20</a:t>
             </a:fld>
             <a:endParaRPr lang="en-US"/>
           </a:p>
@@ -2668,7 +2668,7 @@
           <a:p>
             <a:fld id="{1D111DE1-2521-E24F-8084-98DD5DFF5F08}" type="datetimeFigureOut">
               <a:rPr lang="en-US" smtClean="0"/>
-              <a:t>3/25/20</a:t>
+              <a:t>5/26/20</a:t>
             </a:fld>
             <a:endParaRPr lang="en-US"/>
           </a:p>
@@ -2909,7 +2909,7 @@
           <a:p>
             <a:fld id="{1D111DE1-2521-E24F-8084-98DD5DFF5F08}" type="datetimeFigureOut">
               <a:rPr lang="en-US" smtClean="0"/>
-              <a:t>3/25/20</a:t>
+              <a:t>5/26/20</a:t>
             </a:fld>
             <a:endParaRPr lang="en-US"/>
           </a:p>
@@ -3326,81 +3326,102 @@
           <a:chExt cx="0" cy="0"/>
         </a:xfrm>
       </p:grpSpPr>
-      <p:pic>
-        <p:nvPicPr>
-          <p:cNvPr id="4" name="Picture 3">
-            <a:extLst>
-              <a:ext uri="{FF2B5EF4-FFF2-40B4-BE49-F238E27FC236}">
-                <a16:creationId xmlns:a16="http://schemas.microsoft.com/office/drawing/2014/main" id="{A0EA2F82-24C1-A541-B024-8A2100210817}"/>
-              </a:ext>
-            </a:extLst>
-          </p:cNvPr>
-          <p:cNvPicPr>
-            <a:picLocks noChangeAspect="1"/>
-          </p:cNvPicPr>
+      <p:grpSp>
+        <p:nvGrpSpPr>
+          <p:cNvPr id="23" name="Group 22">
+            <a:extLst>
+              <a:ext uri="{FF2B5EF4-FFF2-40B4-BE49-F238E27FC236}">
+                <a16:creationId xmlns:a16="http://schemas.microsoft.com/office/drawing/2014/main" id="{F01A2742-6BF9-244A-AB29-A7785DB7EC4C}"/>
+              </a:ext>
+            </a:extLst>
+          </p:cNvPr>
+          <p:cNvGrpSpPr/>
           <p:nvPr/>
-        </p:nvPicPr>
-        <p:blipFill>
-          <a:blip r:embed="rId2"/>
-          <a:stretch>
-            <a:fillRect/>
-          </a:stretch>
-        </p:blipFill>
+        </p:nvGrpSpPr>
+        <p:grpSpPr>
+          <a:xfrm>
+            <a:off x="1177577" y="1973737"/>
+            <a:ext cx="9537004" cy="3675888"/>
+            <a:chOff x="683801" y="1599006"/>
+            <a:chExt cx="9537004" cy="3675888"/>
+          </a:xfrm>
+        </p:grpSpPr>
+        <p:pic>
+          <p:nvPicPr>
+            <p:cNvPr id="19" name="Picture 18">
+              <a:extLst>
+                <a:ext uri="{FF2B5EF4-FFF2-40B4-BE49-F238E27FC236}">
+                  <a16:creationId xmlns:a16="http://schemas.microsoft.com/office/drawing/2014/main" id="{7CF04205-8F6A-304A-BDC3-A0A44E2B3020}"/>
+                </a:ext>
+              </a:extLst>
+            </p:cNvPr>
+            <p:cNvPicPr>
+              <a:picLocks noChangeAspect="1"/>
+            </p:cNvPicPr>
+            <p:nvPr/>
+          </p:nvPicPr>
+          <p:blipFill>
+            <a:blip r:embed="rId2"/>
+            <a:stretch>
+              <a:fillRect/>
+            </a:stretch>
+          </p:blipFill>
+          <p:spPr>
+            <a:xfrm>
+              <a:off x="4719519" y="1599006"/>
+              <a:ext cx="5501286" cy="3667524"/>
+            </a:xfrm>
+            <a:prstGeom prst="rect">
+              <a:avLst/>
+            </a:prstGeom>
+          </p:spPr>
+        </p:pic>
+        <p:pic>
+          <p:nvPicPr>
+            <p:cNvPr id="22" name="Picture 21">
+              <a:extLst>
+                <a:ext uri="{FF2B5EF4-FFF2-40B4-BE49-F238E27FC236}">
+                  <a16:creationId xmlns:a16="http://schemas.microsoft.com/office/drawing/2014/main" id="{950A9DEA-570F-7848-A4EF-1AA0F349F746}"/>
+                </a:ext>
+              </a:extLst>
+            </p:cNvPr>
+            <p:cNvPicPr>
+              <a:picLocks noChangeAspect="1"/>
+            </p:cNvPicPr>
+            <p:nvPr/>
+          </p:nvPicPr>
+          <p:blipFill>
+            <a:blip r:embed="rId3"/>
+            <a:stretch>
+              <a:fillRect/>
+            </a:stretch>
+          </p:blipFill>
+          <p:spPr>
+            <a:xfrm>
+              <a:off x="683801" y="1617294"/>
+              <a:ext cx="4572000" cy="3657600"/>
+            </a:xfrm>
+            <a:prstGeom prst="rect">
+              <a:avLst/>
+            </a:prstGeom>
+          </p:spPr>
+        </p:pic>
+      </p:grpSp>
+      <p:sp>
+        <p:nvSpPr>
+          <p:cNvPr id="2" name="TextBox 1">
+            <a:extLst>
+              <a:ext uri="{FF2B5EF4-FFF2-40B4-BE49-F238E27FC236}">
+                <a16:creationId xmlns:a16="http://schemas.microsoft.com/office/drawing/2014/main" id="{1591DB65-D404-6543-BC33-0DB1F083CFCE}"/>
+              </a:ext>
+            </a:extLst>
+          </p:cNvPr>
+          <p:cNvSpPr txBox="1"/>
+          <p:nvPr/>
+        </p:nvSpPr>
         <p:spPr>
           <a:xfrm>
-            <a:off x="2369416" y="1794289"/>
-            <a:ext cx="3200400" cy="3200400"/>
-          </a:xfrm>
-          <a:prstGeom prst="rect">
-            <a:avLst/>
-          </a:prstGeom>
-        </p:spPr>
-      </p:pic>
-      <p:pic>
-        <p:nvPicPr>
-          <p:cNvPr id="20" name="Picture 19">
-            <a:extLst>
-              <a:ext uri="{FF2B5EF4-FFF2-40B4-BE49-F238E27FC236}">
-                <a16:creationId xmlns:a16="http://schemas.microsoft.com/office/drawing/2014/main" id="{549022CE-95AB-FB41-8B4B-6470BDAD6E1B}"/>
-              </a:ext>
-            </a:extLst>
-          </p:cNvPr>
-          <p:cNvPicPr>
-            <a:picLocks noChangeAspect="1"/>
-          </p:cNvPicPr>
-          <p:nvPr/>
-        </p:nvPicPr>
-        <p:blipFill>
-          <a:blip r:embed="rId3"/>
-          <a:stretch>
-            <a:fillRect/>
-          </a:stretch>
-        </p:blipFill>
-        <p:spPr>
-          <a:xfrm>
-            <a:off x="5572233" y="1794289"/>
-            <a:ext cx="3200400" cy="3200400"/>
-          </a:xfrm>
-          <a:prstGeom prst="rect">
-            <a:avLst/>
-          </a:prstGeom>
-        </p:spPr>
-      </p:pic>
-      <p:sp>
-        <p:nvSpPr>
-          <p:cNvPr id="2" name="TextBox 1">
-            <a:extLst>
-              <a:ext uri="{FF2B5EF4-FFF2-40B4-BE49-F238E27FC236}">
-                <a16:creationId xmlns:a16="http://schemas.microsoft.com/office/drawing/2014/main" id="{1591DB65-D404-6543-BC33-0DB1F083CFCE}"/>
-              </a:ext>
-            </a:extLst>
-          </p:cNvPr>
-          <p:cNvSpPr txBox="1"/>
-          <p:nvPr/>
-        </p:nvSpPr>
-        <p:spPr>
-          <a:xfrm>
-            <a:off x="3039613" y="1652479"/>
+            <a:off x="3461726" y="2516964"/>
             <a:ext cx="409904" cy="307777"/>
           </a:xfrm>
           <a:prstGeom prst="rect">
@@ -3437,7 +3458,7 @@
         </p:nvSpPr>
         <p:spPr>
           <a:xfrm>
-            <a:off x="3527188" y="1658436"/>
+            <a:off x="2826970" y="2511166"/>
             <a:ext cx="409904" cy="307777"/>
           </a:xfrm>
           <a:prstGeom prst="rect">
@@ -3474,7 +3495,7 @@
         </p:nvSpPr>
         <p:spPr>
           <a:xfrm>
-            <a:off x="4004822" y="1659215"/>
+            <a:off x="2146159" y="2518751"/>
             <a:ext cx="409904" cy="307777"/>
           </a:xfrm>
           <a:prstGeom prst="rect">
@@ -3511,7 +3532,7 @@
         </p:nvSpPr>
         <p:spPr>
           <a:xfrm>
-            <a:off x="4500366" y="1658436"/>
+            <a:off x="4101770" y="2511165"/>
             <a:ext cx="409904" cy="307777"/>
           </a:xfrm>
           <a:prstGeom prst="rect">
@@ -3548,7 +3569,7 @@
         </p:nvSpPr>
         <p:spPr>
           <a:xfrm>
-            <a:off x="4980148" y="1652480"/>
+            <a:off x="4711951" y="2514934"/>
             <a:ext cx="409904" cy="307777"/>
           </a:xfrm>
           <a:prstGeom prst="rect">
@@ -3585,7 +3606,7 @@
         </p:nvSpPr>
         <p:spPr>
           <a:xfrm>
-            <a:off x="6109142" y="1652478"/>
+            <a:off x="6153865" y="2492876"/>
             <a:ext cx="409904" cy="307777"/>
           </a:xfrm>
           <a:prstGeom prst="rect">
@@ -3622,7 +3643,7 @@
         </p:nvSpPr>
         <p:spPr>
           <a:xfrm>
-            <a:off x="6433108" y="1654037"/>
+            <a:off x="6672652" y="2492875"/>
             <a:ext cx="409904" cy="307777"/>
           </a:xfrm>
           <a:prstGeom prst="rect">
@@ -3659,7 +3680,7 @@
         </p:nvSpPr>
         <p:spPr>
           <a:xfrm>
-            <a:off x="6727588" y="1658608"/>
+            <a:off x="7184615" y="2492874"/>
             <a:ext cx="409904" cy="307777"/>
           </a:xfrm>
           <a:prstGeom prst="rect">
@@ -3696,7 +3717,7 @@
         </p:nvSpPr>
         <p:spPr>
           <a:xfrm>
-            <a:off x="7051554" y="1649688"/>
+            <a:off x="7704725" y="2492873"/>
             <a:ext cx="409904" cy="307777"/>
           </a:xfrm>
           <a:prstGeom prst="rect">
@@ -3733,7 +3754,7 @@
         </p:nvSpPr>
         <p:spPr>
           <a:xfrm>
-            <a:off x="7346034" y="1649689"/>
+            <a:off x="8211844" y="2492872"/>
             <a:ext cx="409904" cy="307777"/>
           </a:xfrm>
           <a:prstGeom prst="rect">
@@ -3770,7 +3791,7 @@
         </p:nvSpPr>
         <p:spPr>
           <a:xfrm>
-            <a:off x="7670000" y="1650910"/>
+            <a:off x="8711087" y="2492871"/>
             <a:ext cx="409904" cy="307777"/>
           </a:xfrm>
           <a:prstGeom prst="rect">
@@ -3807,7 +3828,7 @@
         </p:nvSpPr>
         <p:spPr>
           <a:xfrm>
-            <a:off x="7960592" y="1658435"/>
+            <a:off x="9224662" y="2497866"/>
             <a:ext cx="409904" cy="307777"/>
           </a:xfrm>
           <a:prstGeom prst="rect">
@@ -3844,7 +3865,7 @@
         </p:nvSpPr>
         <p:spPr>
           <a:xfrm>
-            <a:off x="8270076" y="1650909"/>
+            <a:off x="9717127" y="2492870"/>
             <a:ext cx="409904" cy="307777"/>
           </a:xfrm>
           <a:prstGeom prst="rect">

--- a/figures/fig2.parts/figure2.pptx
+++ b/figures/fig2.parts/figure2.pptx
@@ -3340,10 +3340,10 @@
         </p:nvGrpSpPr>
         <p:grpSpPr>
           <a:xfrm>
-            <a:off x="1177577" y="1973737"/>
-            <a:ext cx="9537004" cy="3675888"/>
-            <a:chOff x="683801" y="1599006"/>
-            <a:chExt cx="9537004" cy="3675888"/>
+            <a:off x="1181831" y="1955449"/>
+            <a:ext cx="9684629" cy="3704100"/>
+            <a:chOff x="706698" y="1617294"/>
+            <a:chExt cx="9684629" cy="3704100"/>
           </a:xfrm>
         </p:grpSpPr>
         <p:pic>
@@ -3368,7 +3368,7 @@
           </p:blipFill>
           <p:spPr>
             <a:xfrm>
-              <a:off x="4719519" y="1599006"/>
+              <a:off x="4890041" y="1617294"/>
               <a:ext cx="5501286" cy="3667524"/>
             </a:xfrm>
             <a:prstGeom prst="rect">
@@ -3390,16 +3390,15 @@
             </p:cNvPicPr>
             <p:nvPr/>
           </p:nvPicPr>
-          <p:blipFill>
+          <p:blipFill rotWithShape="1">
             <a:blip r:embed="rId3"/>
-            <a:stretch>
-              <a:fillRect/>
-            </a:stretch>
+            <a:srcRect r="7749"/>
+            <a:stretch/>
           </p:blipFill>
           <p:spPr>
             <a:xfrm>
-              <a:off x="683801" y="1617294"/>
-              <a:ext cx="4572000" cy="3657600"/>
+              <a:off x="706698" y="1663794"/>
+              <a:ext cx="4217738" cy="3657600"/>
             </a:xfrm>
             <a:prstGeom prst="rect">
               <a:avLst/>
@@ -3592,302 +3591,323 @@
           </a:p>
         </p:txBody>
       </p:sp>
-      <p:sp>
-        <p:nvSpPr>
-          <p:cNvPr id="11" name="TextBox 10">
-            <a:extLst>
-              <a:ext uri="{FF2B5EF4-FFF2-40B4-BE49-F238E27FC236}">
-                <a16:creationId xmlns:a16="http://schemas.microsoft.com/office/drawing/2014/main" id="{27D59678-6D3D-494D-85D0-19868FA742EF}"/>
-              </a:ext>
-            </a:extLst>
-          </p:cNvPr>
-          <p:cNvSpPr txBox="1"/>
+      <p:grpSp>
+        <p:nvGrpSpPr>
+          <p:cNvPr id="4" name="Group 3">
+            <a:extLst>
+              <a:ext uri="{FF2B5EF4-FFF2-40B4-BE49-F238E27FC236}">
+                <a16:creationId xmlns:a16="http://schemas.microsoft.com/office/drawing/2014/main" id="{31967B02-0F69-9A43-8005-C6A91F5E16CA}"/>
+              </a:ext>
+            </a:extLst>
+          </p:cNvPr>
+          <p:cNvGrpSpPr/>
           <p:nvPr/>
-        </p:nvSpPr>
-        <p:spPr>
+        </p:nvGrpSpPr>
+        <p:grpSpPr>
           <a:xfrm>
-            <a:off x="6153865" y="2492876"/>
-            <a:ext cx="409904" cy="307777"/>
+            <a:off x="6281881" y="2492870"/>
+            <a:ext cx="3973166" cy="312773"/>
+            <a:chOff x="6153865" y="2492870"/>
+            <a:chExt cx="3973166" cy="312773"/>
           </a:xfrm>
-          <a:prstGeom prst="rect">
-            <a:avLst/>
-          </a:prstGeom>
-          <a:noFill/>
-        </p:spPr>
-        <p:txBody>
-          <a:bodyPr wrap="square" rtlCol="0">
-            <a:spAutoFit/>
-          </a:bodyPr>
-          <a:lstStyle/>
-          <a:p>
-            <a:pPr algn="ctr"/>
-            <a:r>
-              <a:rPr lang="en-US" sz="1400" dirty="0"/>
-              <a:t>M</a:t>
-            </a:r>
-            <a:endParaRPr lang="en-US" dirty="0"/>
-          </a:p>
-        </p:txBody>
-      </p:sp>
-      <p:sp>
-        <p:nvSpPr>
-          <p:cNvPr id="18" name="TextBox 17">
-            <a:extLst>
-              <a:ext uri="{FF2B5EF4-FFF2-40B4-BE49-F238E27FC236}">
-                <a16:creationId xmlns:a16="http://schemas.microsoft.com/office/drawing/2014/main" id="{ED307AC7-9DB2-D346-87DD-49FC1518F9A2}"/>
-              </a:ext>
-            </a:extLst>
-          </p:cNvPr>
-          <p:cNvSpPr txBox="1"/>
-          <p:nvPr/>
-        </p:nvSpPr>
-        <p:spPr>
-          <a:xfrm>
-            <a:off x="6672652" y="2492875"/>
-            <a:ext cx="409904" cy="307777"/>
-          </a:xfrm>
-          <a:prstGeom prst="rect">
-            <a:avLst/>
-          </a:prstGeom>
-          <a:noFill/>
-        </p:spPr>
-        <p:txBody>
-          <a:bodyPr wrap="square" rtlCol="0">
-            <a:spAutoFit/>
-          </a:bodyPr>
-          <a:lstStyle/>
-          <a:p>
-            <a:pPr algn="ctr"/>
-            <a:r>
-              <a:rPr lang="en-US" sz="1400" dirty="0"/>
-              <a:t>M</a:t>
-            </a:r>
-            <a:endParaRPr lang="en-US" dirty="0"/>
-          </a:p>
-        </p:txBody>
-      </p:sp>
-      <p:sp>
-        <p:nvSpPr>
-          <p:cNvPr id="17" name="TextBox 16">
-            <a:extLst>
-              <a:ext uri="{FF2B5EF4-FFF2-40B4-BE49-F238E27FC236}">
-                <a16:creationId xmlns:a16="http://schemas.microsoft.com/office/drawing/2014/main" id="{20DA723F-3A5D-324C-898C-77B56B881AD8}"/>
-              </a:ext>
-            </a:extLst>
-          </p:cNvPr>
-          <p:cNvSpPr txBox="1"/>
-          <p:nvPr/>
-        </p:nvSpPr>
-        <p:spPr>
-          <a:xfrm>
-            <a:off x="7184615" y="2492874"/>
-            <a:ext cx="409904" cy="307777"/>
-          </a:xfrm>
-          <a:prstGeom prst="rect">
-            <a:avLst/>
-          </a:prstGeom>
-          <a:noFill/>
-        </p:spPr>
-        <p:txBody>
-          <a:bodyPr wrap="square" rtlCol="0">
-            <a:spAutoFit/>
-          </a:bodyPr>
-          <a:lstStyle/>
-          <a:p>
-            <a:pPr algn="ctr"/>
-            <a:r>
-              <a:rPr lang="en-US" sz="1400" dirty="0"/>
-              <a:t>M</a:t>
-            </a:r>
-            <a:endParaRPr lang="en-US" dirty="0"/>
-          </a:p>
-        </p:txBody>
-      </p:sp>
-      <p:sp>
-        <p:nvSpPr>
-          <p:cNvPr id="16" name="TextBox 15">
-            <a:extLst>
-              <a:ext uri="{FF2B5EF4-FFF2-40B4-BE49-F238E27FC236}">
-                <a16:creationId xmlns:a16="http://schemas.microsoft.com/office/drawing/2014/main" id="{E99E1913-A349-C346-8718-553E6F87386E}"/>
-              </a:ext>
-            </a:extLst>
-          </p:cNvPr>
-          <p:cNvSpPr txBox="1"/>
-          <p:nvPr/>
-        </p:nvSpPr>
-        <p:spPr>
-          <a:xfrm>
-            <a:off x="7704725" y="2492873"/>
-            <a:ext cx="409904" cy="307777"/>
-          </a:xfrm>
-          <a:prstGeom prst="rect">
-            <a:avLst/>
-          </a:prstGeom>
-          <a:noFill/>
-        </p:spPr>
-        <p:txBody>
-          <a:bodyPr wrap="square" rtlCol="0">
-            <a:spAutoFit/>
-          </a:bodyPr>
-          <a:lstStyle/>
-          <a:p>
-            <a:pPr algn="ctr"/>
-            <a:r>
-              <a:rPr lang="en-US" sz="1400" dirty="0"/>
-              <a:t>H</a:t>
-            </a:r>
-            <a:endParaRPr lang="en-US" dirty="0"/>
-          </a:p>
-        </p:txBody>
-      </p:sp>
-      <p:sp>
-        <p:nvSpPr>
-          <p:cNvPr id="15" name="TextBox 14">
-            <a:extLst>
-              <a:ext uri="{FF2B5EF4-FFF2-40B4-BE49-F238E27FC236}">
-                <a16:creationId xmlns:a16="http://schemas.microsoft.com/office/drawing/2014/main" id="{536CA231-8833-8943-987A-D713C5319E32}"/>
-              </a:ext>
-            </a:extLst>
-          </p:cNvPr>
-          <p:cNvSpPr txBox="1"/>
-          <p:nvPr/>
-        </p:nvSpPr>
-        <p:spPr>
-          <a:xfrm>
-            <a:off x="8211844" y="2492872"/>
-            <a:ext cx="409904" cy="307777"/>
-          </a:xfrm>
-          <a:prstGeom prst="rect">
-            <a:avLst/>
-          </a:prstGeom>
-          <a:noFill/>
-        </p:spPr>
-        <p:txBody>
-          <a:bodyPr wrap="square" rtlCol="0">
-            <a:spAutoFit/>
-          </a:bodyPr>
-          <a:lstStyle/>
-          <a:p>
-            <a:pPr algn="ctr"/>
-            <a:r>
-              <a:rPr lang="en-US" sz="1400" dirty="0"/>
-              <a:t>H</a:t>
-            </a:r>
-            <a:endParaRPr lang="en-US" dirty="0"/>
-          </a:p>
-        </p:txBody>
-      </p:sp>
-      <p:sp>
-        <p:nvSpPr>
-          <p:cNvPr id="14" name="TextBox 13">
-            <a:extLst>
-              <a:ext uri="{FF2B5EF4-FFF2-40B4-BE49-F238E27FC236}">
-                <a16:creationId xmlns:a16="http://schemas.microsoft.com/office/drawing/2014/main" id="{1CFCAE3A-17E7-F14B-8965-727D11A1D3A1}"/>
-              </a:ext>
-            </a:extLst>
-          </p:cNvPr>
-          <p:cNvSpPr txBox="1"/>
-          <p:nvPr/>
-        </p:nvSpPr>
-        <p:spPr>
-          <a:xfrm>
-            <a:off x="8711087" y="2492871"/>
-            <a:ext cx="409904" cy="307777"/>
-          </a:xfrm>
-          <a:prstGeom prst="rect">
-            <a:avLst/>
-          </a:prstGeom>
-          <a:noFill/>
-        </p:spPr>
-        <p:txBody>
-          <a:bodyPr wrap="square" rtlCol="0">
-            <a:spAutoFit/>
-          </a:bodyPr>
-          <a:lstStyle/>
-          <a:p>
-            <a:pPr algn="ctr"/>
-            <a:r>
-              <a:rPr lang="en-US" sz="1400" dirty="0"/>
-              <a:t>M</a:t>
-            </a:r>
-            <a:endParaRPr lang="en-US" dirty="0"/>
-          </a:p>
-        </p:txBody>
-      </p:sp>
-      <p:sp>
-        <p:nvSpPr>
-          <p:cNvPr id="13" name="TextBox 12">
-            <a:extLst>
-              <a:ext uri="{FF2B5EF4-FFF2-40B4-BE49-F238E27FC236}">
-                <a16:creationId xmlns:a16="http://schemas.microsoft.com/office/drawing/2014/main" id="{8A6F6DB3-EC71-AE47-8212-E62C7A9E3938}"/>
-              </a:ext>
-            </a:extLst>
-          </p:cNvPr>
-          <p:cNvSpPr txBox="1"/>
-          <p:nvPr/>
-        </p:nvSpPr>
-        <p:spPr>
-          <a:xfrm>
-            <a:off x="9224662" y="2497866"/>
-            <a:ext cx="409904" cy="307777"/>
-          </a:xfrm>
-          <a:prstGeom prst="rect">
-            <a:avLst/>
-          </a:prstGeom>
-          <a:noFill/>
-        </p:spPr>
-        <p:txBody>
-          <a:bodyPr wrap="square" rtlCol="0">
-            <a:spAutoFit/>
-          </a:bodyPr>
-          <a:lstStyle/>
-          <a:p>
-            <a:pPr algn="ctr"/>
-            <a:r>
-              <a:rPr lang="en-US" sz="1400" dirty="0"/>
-              <a:t>H</a:t>
-            </a:r>
-            <a:endParaRPr lang="en-US" dirty="0"/>
-          </a:p>
-        </p:txBody>
-      </p:sp>
-      <p:sp>
-        <p:nvSpPr>
-          <p:cNvPr id="12" name="TextBox 11">
-            <a:extLst>
-              <a:ext uri="{FF2B5EF4-FFF2-40B4-BE49-F238E27FC236}">
-                <a16:creationId xmlns:a16="http://schemas.microsoft.com/office/drawing/2014/main" id="{DDDA46F6-A9A4-344C-9386-945A463DF5B4}"/>
-              </a:ext>
-            </a:extLst>
-          </p:cNvPr>
-          <p:cNvSpPr txBox="1"/>
-          <p:nvPr/>
-        </p:nvSpPr>
-        <p:spPr>
-          <a:xfrm>
-            <a:off x="9717127" y="2492870"/>
-            <a:ext cx="409904" cy="307777"/>
-          </a:xfrm>
-          <a:prstGeom prst="rect">
-            <a:avLst/>
-          </a:prstGeom>
-          <a:noFill/>
-        </p:spPr>
-        <p:txBody>
-          <a:bodyPr wrap="square" rtlCol="0">
-            <a:spAutoFit/>
-          </a:bodyPr>
-          <a:lstStyle/>
-          <a:p>
-            <a:pPr algn="ctr"/>
-            <a:r>
-              <a:rPr lang="en-US" sz="1400" dirty="0"/>
-              <a:t>H</a:t>
-            </a:r>
-            <a:endParaRPr lang="en-US" dirty="0"/>
-          </a:p>
-        </p:txBody>
-      </p:sp>
+        </p:grpSpPr>
+        <p:sp>
+          <p:nvSpPr>
+            <p:cNvPr id="11" name="TextBox 10">
+              <a:extLst>
+                <a:ext uri="{FF2B5EF4-FFF2-40B4-BE49-F238E27FC236}">
+                  <a16:creationId xmlns:a16="http://schemas.microsoft.com/office/drawing/2014/main" id="{27D59678-6D3D-494D-85D0-19868FA742EF}"/>
+                </a:ext>
+              </a:extLst>
+            </p:cNvPr>
+            <p:cNvSpPr txBox="1"/>
+            <p:nvPr/>
+          </p:nvSpPr>
+          <p:spPr>
+            <a:xfrm>
+              <a:off x="6153865" y="2492876"/>
+              <a:ext cx="409904" cy="307777"/>
+            </a:xfrm>
+            <a:prstGeom prst="rect">
+              <a:avLst/>
+            </a:prstGeom>
+            <a:noFill/>
+          </p:spPr>
+          <p:txBody>
+            <a:bodyPr wrap="square" rtlCol="0">
+              <a:spAutoFit/>
+            </a:bodyPr>
+            <a:lstStyle/>
+            <a:p>
+              <a:pPr algn="ctr"/>
+              <a:r>
+                <a:rPr lang="en-US" sz="1400" dirty="0"/>
+                <a:t>M</a:t>
+              </a:r>
+              <a:endParaRPr lang="en-US" dirty="0"/>
+            </a:p>
+          </p:txBody>
+        </p:sp>
+        <p:sp>
+          <p:nvSpPr>
+            <p:cNvPr id="18" name="TextBox 17">
+              <a:extLst>
+                <a:ext uri="{FF2B5EF4-FFF2-40B4-BE49-F238E27FC236}">
+                  <a16:creationId xmlns:a16="http://schemas.microsoft.com/office/drawing/2014/main" id="{ED307AC7-9DB2-D346-87DD-49FC1518F9A2}"/>
+                </a:ext>
+              </a:extLst>
+            </p:cNvPr>
+            <p:cNvSpPr txBox="1"/>
+            <p:nvPr/>
+          </p:nvSpPr>
+          <p:spPr>
+            <a:xfrm>
+              <a:off x="6672652" y="2492875"/>
+              <a:ext cx="409904" cy="307777"/>
+            </a:xfrm>
+            <a:prstGeom prst="rect">
+              <a:avLst/>
+            </a:prstGeom>
+            <a:noFill/>
+          </p:spPr>
+          <p:txBody>
+            <a:bodyPr wrap="square" rtlCol="0">
+              <a:spAutoFit/>
+            </a:bodyPr>
+            <a:lstStyle/>
+            <a:p>
+              <a:pPr algn="ctr"/>
+              <a:r>
+                <a:rPr lang="en-US" sz="1400" dirty="0"/>
+                <a:t>M</a:t>
+              </a:r>
+              <a:endParaRPr lang="en-US" dirty="0"/>
+            </a:p>
+          </p:txBody>
+        </p:sp>
+        <p:sp>
+          <p:nvSpPr>
+            <p:cNvPr id="17" name="TextBox 16">
+              <a:extLst>
+                <a:ext uri="{FF2B5EF4-FFF2-40B4-BE49-F238E27FC236}">
+                  <a16:creationId xmlns:a16="http://schemas.microsoft.com/office/drawing/2014/main" id="{20DA723F-3A5D-324C-898C-77B56B881AD8}"/>
+                </a:ext>
+              </a:extLst>
+            </p:cNvPr>
+            <p:cNvSpPr txBox="1"/>
+            <p:nvPr/>
+          </p:nvSpPr>
+          <p:spPr>
+            <a:xfrm>
+              <a:off x="7184615" y="2492874"/>
+              <a:ext cx="409904" cy="307777"/>
+            </a:xfrm>
+            <a:prstGeom prst="rect">
+              <a:avLst/>
+            </a:prstGeom>
+            <a:noFill/>
+          </p:spPr>
+          <p:txBody>
+            <a:bodyPr wrap="square" rtlCol="0">
+              <a:spAutoFit/>
+            </a:bodyPr>
+            <a:lstStyle/>
+            <a:p>
+              <a:pPr algn="ctr"/>
+              <a:r>
+                <a:rPr lang="en-US" sz="1400" dirty="0"/>
+                <a:t>M</a:t>
+              </a:r>
+              <a:endParaRPr lang="en-US" dirty="0"/>
+            </a:p>
+          </p:txBody>
+        </p:sp>
+        <p:sp>
+          <p:nvSpPr>
+            <p:cNvPr id="16" name="TextBox 15">
+              <a:extLst>
+                <a:ext uri="{FF2B5EF4-FFF2-40B4-BE49-F238E27FC236}">
+                  <a16:creationId xmlns:a16="http://schemas.microsoft.com/office/drawing/2014/main" id="{E99E1913-A349-C346-8718-553E6F87386E}"/>
+                </a:ext>
+              </a:extLst>
+            </p:cNvPr>
+            <p:cNvSpPr txBox="1"/>
+            <p:nvPr/>
+          </p:nvSpPr>
+          <p:spPr>
+            <a:xfrm>
+              <a:off x="7704725" y="2492873"/>
+              <a:ext cx="409904" cy="307777"/>
+            </a:xfrm>
+            <a:prstGeom prst="rect">
+              <a:avLst/>
+            </a:prstGeom>
+            <a:noFill/>
+          </p:spPr>
+          <p:txBody>
+            <a:bodyPr wrap="square" rtlCol="0">
+              <a:spAutoFit/>
+            </a:bodyPr>
+            <a:lstStyle/>
+            <a:p>
+              <a:pPr algn="ctr"/>
+              <a:r>
+                <a:rPr lang="en-US" sz="1400" dirty="0"/>
+                <a:t>H</a:t>
+              </a:r>
+              <a:endParaRPr lang="en-US" dirty="0"/>
+            </a:p>
+          </p:txBody>
+        </p:sp>
+        <p:sp>
+          <p:nvSpPr>
+            <p:cNvPr id="15" name="TextBox 14">
+              <a:extLst>
+                <a:ext uri="{FF2B5EF4-FFF2-40B4-BE49-F238E27FC236}">
+                  <a16:creationId xmlns:a16="http://schemas.microsoft.com/office/drawing/2014/main" id="{536CA231-8833-8943-987A-D713C5319E32}"/>
+                </a:ext>
+              </a:extLst>
+            </p:cNvPr>
+            <p:cNvSpPr txBox="1"/>
+            <p:nvPr/>
+          </p:nvSpPr>
+          <p:spPr>
+            <a:xfrm>
+              <a:off x="8211844" y="2492872"/>
+              <a:ext cx="409904" cy="307777"/>
+            </a:xfrm>
+            <a:prstGeom prst="rect">
+              <a:avLst/>
+            </a:prstGeom>
+            <a:noFill/>
+          </p:spPr>
+          <p:txBody>
+            <a:bodyPr wrap="square" rtlCol="0">
+              <a:spAutoFit/>
+            </a:bodyPr>
+            <a:lstStyle/>
+            <a:p>
+              <a:pPr algn="ctr"/>
+              <a:r>
+                <a:rPr lang="en-US" sz="1400" dirty="0"/>
+                <a:t>H</a:t>
+              </a:r>
+              <a:endParaRPr lang="en-US" dirty="0"/>
+            </a:p>
+          </p:txBody>
+        </p:sp>
+        <p:sp>
+          <p:nvSpPr>
+            <p:cNvPr id="14" name="TextBox 13">
+              <a:extLst>
+                <a:ext uri="{FF2B5EF4-FFF2-40B4-BE49-F238E27FC236}">
+                  <a16:creationId xmlns:a16="http://schemas.microsoft.com/office/drawing/2014/main" id="{1CFCAE3A-17E7-F14B-8965-727D11A1D3A1}"/>
+                </a:ext>
+              </a:extLst>
+            </p:cNvPr>
+            <p:cNvSpPr txBox="1"/>
+            <p:nvPr/>
+          </p:nvSpPr>
+          <p:spPr>
+            <a:xfrm>
+              <a:off x="8711087" y="2492871"/>
+              <a:ext cx="409904" cy="307777"/>
+            </a:xfrm>
+            <a:prstGeom prst="rect">
+              <a:avLst/>
+            </a:prstGeom>
+            <a:noFill/>
+          </p:spPr>
+          <p:txBody>
+            <a:bodyPr wrap="square" rtlCol="0">
+              <a:spAutoFit/>
+            </a:bodyPr>
+            <a:lstStyle/>
+            <a:p>
+              <a:pPr algn="ctr"/>
+              <a:r>
+                <a:rPr lang="en-US" sz="1400" dirty="0"/>
+                <a:t>M</a:t>
+              </a:r>
+              <a:endParaRPr lang="en-US" dirty="0"/>
+            </a:p>
+          </p:txBody>
+        </p:sp>
+        <p:sp>
+          <p:nvSpPr>
+            <p:cNvPr id="13" name="TextBox 12">
+              <a:extLst>
+                <a:ext uri="{FF2B5EF4-FFF2-40B4-BE49-F238E27FC236}">
+                  <a16:creationId xmlns:a16="http://schemas.microsoft.com/office/drawing/2014/main" id="{8A6F6DB3-EC71-AE47-8212-E62C7A9E3938}"/>
+                </a:ext>
+              </a:extLst>
+            </p:cNvPr>
+            <p:cNvSpPr txBox="1"/>
+            <p:nvPr/>
+          </p:nvSpPr>
+          <p:spPr>
+            <a:xfrm>
+              <a:off x="9224662" y="2497866"/>
+              <a:ext cx="409904" cy="307777"/>
+            </a:xfrm>
+            <a:prstGeom prst="rect">
+              <a:avLst/>
+            </a:prstGeom>
+            <a:noFill/>
+          </p:spPr>
+          <p:txBody>
+            <a:bodyPr wrap="square" rtlCol="0">
+              <a:spAutoFit/>
+            </a:bodyPr>
+            <a:lstStyle/>
+            <a:p>
+              <a:pPr algn="ctr"/>
+              <a:r>
+                <a:rPr lang="en-US" sz="1400" dirty="0"/>
+                <a:t>H</a:t>
+              </a:r>
+              <a:endParaRPr lang="en-US" dirty="0"/>
+            </a:p>
+          </p:txBody>
+        </p:sp>
+        <p:sp>
+          <p:nvSpPr>
+            <p:cNvPr id="12" name="TextBox 11">
+              <a:extLst>
+                <a:ext uri="{FF2B5EF4-FFF2-40B4-BE49-F238E27FC236}">
+                  <a16:creationId xmlns:a16="http://schemas.microsoft.com/office/drawing/2014/main" id="{DDDA46F6-A9A4-344C-9386-945A463DF5B4}"/>
+                </a:ext>
+              </a:extLst>
+            </p:cNvPr>
+            <p:cNvSpPr txBox="1"/>
+            <p:nvPr/>
+          </p:nvSpPr>
+          <p:spPr>
+            <a:xfrm>
+              <a:off x="9717127" y="2492870"/>
+              <a:ext cx="409904" cy="307777"/>
+            </a:xfrm>
+            <a:prstGeom prst="rect">
+              <a:avLst/>
+            </a:prstGeom>
+            <a:noFill/>
+          </p:spPr>
+          <p:txBody>
+            <a:bodyPr wrap="square" rtlCol="0">
+              <a:spAutoFit/>
+            </a:bodyPr>
+            <a:lstStyle/>
+            <a:p>
+              <a:pPr algn="ctr"/>
+              <a:r>
+                <a:rPr lang="en-US" sz="1400" dirty="0"/>
+                <a:t>H</a:t>
+              </a:r>
+              <a:endParaRPr lang="en-US" dirty="0"/>
+            </a:p>
+          </p:txBody>
+        </p:sp>
+      </p:grpSp>
     </p:spTree>
     <p:extLst>
       <p:ext uri="{BB962C8B-B14F-4D97-AF65-F5344CB8AC3E}">

--- a/figures/fig2.parts/figure2.pptx
+++ b/figures/fig2.parts/figure2.pptx
@@ -259,7 +259,7 @@
           <a:p>
             <a:fld id="{1D111DE1-2521-E24F-8084-98DD5DFF5F08}" type="datetimeFigureOut">
               <a:rPr lang="en-US" smtClean="0"/>
-              <a:t>5/26/20</a:t>
+              <a:t>5/27/20</a:t>
             </a:fld>
             <a:endParaRPr lang="en-US"/>
           </a:p>
@@ -457,7 +457,7 @@
           <a:p>
             <a:fld id="{1D111DE1-2521-E24F-8084-98DD5DFF5F08}" type="datetimeFigureOut">
               <a:rPr lang="en-US" smtClean="0"/>
-              <a:t>5/26/20</a:t>
+              <a:t>5/27/20</a:t>
             </a:fld>
             <a:endParaRPr lang="en-US"/>
           </a:p>
@@ -665,7 +665,7 @@
           <a:p>
             <a:fld id="{1D111DE1-2521-E24F-8084-98DD5DFF5F08}" type="datetimeFigureOut">
               <a:rPr lang="en-US" smtClean="0"/>
-              <a:t>5/26/20</a:t>
+              <a:t>5/27/20</a:t>
             </a:fld>
             <a:endParaRPr lang="en-US"/>
           </a:p>
@@ -863,7 +863,7 @@
           <a:p>
             <a:fld id="{1D111DE1-2521-E24F-8084-98DD5DFF5F08}" type="datetimeFigureOut">
               <a:rPr lang="en-US" smtClean="0"/>
-              <a:t>5/26/20</a:t>
+              <a:t>5/27/20</a:t>
             </a:fld>
             <a:endParaRPr lang="en-US"/>
           </a:p>
@@ -1138,7 +1138,7 @@
           <a:p>
             <a:fld id="{1D111DE1-2521-E24F-8084-98DD5DFF5F08}" type="datetimeFigureOut">
               <a:rPr lang="en-US" smtClean="0"/>
-              <a:t>5/26/20</a:t>
+              <a:t>5/27/20</a:t>
             </a:fld>
             <a:endParaRPr lang="en-US"/>
           </a:p>
@@ -1403,7 +1403,7 @@
           <a:p>
             <a:fld id="{1D111DE1-2521-E24F-8084-98DD5DFF5F08}" type="datetimeFigureOut">
               <a:rPr lang="en-US" smtClean="0"/>
-              <a:t>5/26/20</a:t>
+              <a:t>5/27/20</a:t>
             </a:fld>
             <a:endParaRPr lang="en-US"/>
           </a:p>
@@ -1815,7 +1815,7 @@
           <a:p>
             <a:fld id="{1D111DE1-2521-E24F-8084-98DD5DFF5F08}" type="datetimeFigureOut">
               <a:rPr lang="en-US" smtClean="0"/>
-              <a:t>5/26/20</a:t>
+              <a:t>5/27/20</a:t>
             </a:fld>
             <a:endParaRPr lang="en-US"/>
           </a:p>
@@ -1956,7 +1956,7 @@
           <a:p>
             <a:fld id="{1D111DE1-2521-E24F-8084-98DD5DFF5F08}" type="datetimeFigureOut">
               <a:rPr lang="en-US" smtClean="0"/>
-              <a:t>5/26/20</a:t>
+              <a:t>5/27/20</a:t>
             </a:fld>
             <a:endParaRPr lang="en-US"/>
           </a:p>
@@ -2069,7 +2069,7 @@
           <a:p>
             <a:fld id="{1D111DE1-2521-E24F-8084-98DD5DFF5F08}" type="datetimeFigureOut">
               <a:rPr lang="en-US" smtClean="0"/>
-              <a:t>5/26/20</a:t>
+              <a:t>5/27/20</a:t>
             </a:fld>
             <a:endParaRPr lang="en-US"/>
           </a:p>
@@ -2380,7 +2380,7 @@
           <a:p>
             <a:fld id="{1D111DE1-2521-E24F-8084-98DD5DFF5F08}" type="datetimeFigureOut">
               <a:rPr lang="en-US" smtClean="0"/>
-              <a:t>5/26/20</a:t>
+              <a:t>5/27/20</a:t>
             </a:fld>
             <a:endParaRPr lang="en-US"/>
           </a:p>
@@ -2668,7 +2668,7 @@
           <a:p>
             <a:fld id="{1D111DE1-2521-E24F-8084-98DD5DFF5F08}" type="datetimeFigureOut">
               <a:rPr lang="en-US" smtClean="0"/>
-              <a:t>5/26/20</a:t>
+              <a:t>5/27/20</a:t>
             </a:fld>
             <a:endParaRPr lang="en-US"/>
           </a:p>
@@ -2909,7 +2909,7 @@
           <a:p>
             <a:fld id="{1D111DE1-2521-E24F-8084-98DD5DFF5F08}" type="datetimeFigureOut">
               <a:rPr lang="en-US" smtClean="0"/>
-              <a:t>5/26/20</a:t>
+              <a:t>5/27/20</a:t>
             </a:fld>
             <a:endParaRPr lang="en-US"/>
           </a:p>
@@ -3326,86 +3326,64 @@
           <a:chExt cx="0" cy="0"/>
         </a:xfrm>
       </p:grpSpPr>
-      <p:grpSp>
-        <p:nvGrpSpPr>
-          <p:cNvPr id="23" name="Group 22">
-            <a:extLst>
-              <a:ext uri="{FF2B5EF4-FFF2-40B4-BE49-F238E27FC236}">
-                <a16:creationId xmlns:a16="http://schemas.microsoft.com/office/drawing/2014/main" id="{F01A2742-6BF9-244A-AB29-A7785DB7EC4C}"/>
-              </a:ext>
-            </a:extLst>
-          </p:cNvPr>
-          <p:cNvGrpSpPr/>
+      <p:pic>
+        <p:nvPicPr>
+          <p:cNvPr id="5" name="Picture 4">
+            <a:extLst>
+              <a:ext uri="{FF2B5EF4-FFF2-40B4-BE49-F238E27FC236}">
+                <a16:creationId xmlns:a16="http://schemas.microsoft.com/office/drawing/2014/main" id="{78A585D9-3E52-5143-9E6F-9893E05C384E}"/>
+              </a:ext>
+            </a:extLst>
+          </p:cNvPr>
+          <p:cNvPicPr>
+            <a:picLocks noChangeAspect="1"/>
+          </p:cNvPicPr>
           <p:nvPr/>
-        </p:nvGrpSpPr>
-        <p:grpSpPr>
+        </p:nvPicPr>
+        <p:blipFill rotWithShape="1">
+          <a:blip r:embed="rId2"/>
+          <a:srcRect t="17486" b="13694"/>
+          <a:stretch/>
+        </p:blipFill>
+        <p:spPr>
           <a:xfrm>
-            <a:off x="1181831" y="1955449"/>
-            <a:ext cx="9684629" cy="3704100"/>
-            <a:chOff x="706698" y="1617294"/>
-            <a:chExt cx="9684629" cy="3704100"/>
+            <a:off x="5294493" y="2892741"/>
+            <a:ext cx="5486400" cy="2517169"/>
           </a:xfrm>
-        </p:grpSpPr>
-        <p:pic>
-          <p:nvPicPr>
-            <p:cNvPr id="19" name="Picture 18">
-              <a:extLst>
-                <a:ext uri="{FF2B5EF4-FFF2-40B4-BE49-F238E27FC236}">
-                  <a16:creationId xmlns:a16="http://schemas.microsoft.com/office/drawing/2014/main" id="{7CF04205-8F6A-304A-BDC3-A0A44E2B3020}"/>
-                </a:ext>
-              </a:extLst>
-            </p:cNvPr>
-            <p:cNvPicPr>
-              <a:picLocks noChangeAspect="1"/>
-            </p:cNvPicPr>
-            <p:nvPr/>
-          </p:nvPicPr>
-          <p:blipFill>
-            <a:blip r:embed="rId2"/>
-            <a:stretch>
-              <a:fillRect/>
-            </a:stretch>
-          </p:blipFill>
-          <p:spPr>
-            <a:xfrm>
-              <a:off x="4890041" y="1617294"/>
-              <a:ext cx="5501286" cy="3667524"/>
-            </a:xfrm>
-            <a:prstGeom prst="rect">
-              <a:avLst/>
-            </a:prstGeom>
-          </p:spPr>
-        </p:pic>
-        <p:pic>
-          <p:nvPicPr>
-            <p:cNvPr id="22" name="Picture 21">
-              <a:extLst>
-                <a:ext uri="{FF2B5EF4-FFF2-40B4-BE49-F238E27FC236}">
-                  <a16:creationId xmlns:a16="http://schemas.microsoft.com/office/drawing/2014/main" id="{950A9DEA-570F-7848-A4EF-1AA0F349F746}"/>
-                </a:ext>
-              </a:extLst>
-            </p:cNvPr>
-            <p:cNvPicPr>
-              <a:picLocks noChangeAspect="1"/>
-            </p:cNvPicPr>
-            <p:nvPr/>
-          </p:nvPicPr>
-          <p:blipFill rotWithShape="1">
-            <a:blip r:embed="rId3"/>
-            <a:srcRect r="7749"/>
-            <a:stretch/>
-          </p:blipFill>
-          <p:spPr>
-            <a:xfrm>
-              <a:off x="706698" y="1663794"/>
-              <a:ext cx="4217738" cy="3657600"/>
-            </a:xfrm>
-            <a:prstGeom prst="rect">
-              <a:avLst/>
-            </a:prstGeom>
-          </p:spPr>
-        </p:pic>
-      </p:grpSp>
+          <a:prstGeom prst="rect">
+            <a:avLst/>
+          </a:prstGeom>
+        </p:spPr>
+      </p:pic>
+      <p:pic>
+        <p:nvPicPr>
+          <p:cNvPr id="20" name="Picture 19">
+            <a:extLst>
+              <a:ext uri="{FF2B5EF4-FFF2-40B4-BE49-F238E27FC236}">
+                <a16:creationId xmlns:a16="http://schemas.microsoft.com/office/drawing/2014/main" id="{9B6C9A9B-1E8C-A74F-A76A-C9D72DFE5678}"/>
+              </a:ext>
+            </a:extLst>
+          </p:cNvPr>
+          <p:cNvPicPr>
+            <a:picLocks noChangeAspect="1"/>
+          </p:cNvPicPr>
+          <p:nvPr/>
+        </p:nvPicPr>
+        <p:blipFill rotWithShape="1">
+          <a:blip r:embed="rId3"/>
+          <a:srcRect t="13866" b="13693"/>
+          <a:stretch/>
+        </p:blipFill>
+        <p:spPr>
+          <a:xfrm>
+            <a:off x="676512" y="2826527"/>
+            <a:ext cx="4572000" cy="2649599"/>
+          </a:xfrm>
+          <a:prstGeom prst="rect">
+            <a:avLst/>
+          </a:prstGeom>
+        </p:spPr>
+      </p:pic>
       <p:sp>
         <p:nvSpPr>
           <p:cNvPr id="2" name="TextBox 1">
@@ -3420,7 +3398,7 @@
         </p:nvSpPr>
         <p:spPr>
           <a:xfrm>
-            <a:off x="3461726" y="2516964"/>
+            <a:off x="2978840" y="2753266"/>
             <a:ext cx="409904" cy="307777"/>
           </a:xfrm>
           <a:prstGeom prst="rect">
@@ -3457,7 +3435,7 @@
         </p:nvSpPr>
         <p:spPr>
           <a:xfrm>
-            <a:off x="2826970" y="2511166"/>
+            <a:off x="2344084" y="2747468"/>
             <a:ext cx="409904" cy="307777"/>
           </a:xfrm>
           <a:prstGeom prst="rect">
@@ -3494,7 +3472,7 @@
         </p:nvSpPr>
         <p:spPr>
           <a:xfrm>
-            <a:off x="2146159" y="2518751"/>
+            <a:off x="1663273" y="2755053"/>
             <a:ext cx="409904" cy="307777"/>
           </a:xfrm>
           <a:prstGeom prst="rect">
@@ -3531,7 +3509,7 @@
         </p:nvSpPr>
         <p:spPr>
           <a:xfrm>
-            <a:off x="4101770" y="2511165"/>
+            <a:off x="3618884" y="2747467"/>
             <a:ext cx="409904" cy="307777"/>
           </a:xfrm>
           <a:prstGeom prst="rect">
@@ -3568,7 +3546,7 @@
         </p:nvSpPr>
         <p:spPr>
           <a:xfrm>
-            <a:off x="4711951" y="2514934"/>
+            <a:off x="4229065" y="2751236"/>
             <a:ext cx="409904" cy="307777"/>
           </a:xfrm>
           <a:prstGeom prst="rect">
@@ -3605,7 +3583,7 @@
         </p:nvGrpSpPr>
         <p:grpSpPr>
           <a:xfrm>
-            <a:off x="6281881" y="2492870"/>
+            <a:off x="6240785" y="2698350"/>
             <a:ext cx="3973166" cy="312773"/>
             <a:chOff x="6153865" y="2492870"/>
             <a:chExt cx="3973166" cy="312773"/>
@@ -3908,6 +3886,76 @@
           </p:txBody>
         </p:sp>
       </p:grpSp>
+      <p:sp>
+        <p:nvSpPr>
+          <p:cNvPr id="21" name="TextBox 20">
+            <a:extLst>
+              <a:ext uri="{FF2B5EF4-FFF2-40B4-BE49-F238E27FC236}">
+                <a16:creationId xmlns:a16="http://schemas.microsoft.com/office/drawing/2014/main" id="{C3ADC503-F2AE-1B4C-8CE8-07A73077D303}"/>
+              </a:ext>
+            </a:extLst>
+          </p:cNvPr>
+          <p:cNvSpPr txBox="1"/>
+          <p:nvPr/>
+        </p:nvSpPr>
+        <p:spPr>
+          <a:xfrm>
+            <a:off x="646168" y="2385721"/>
+            <a:ext cx="324128" cy="369332"/>
+          </a:xfrm>
+          <a:prstGeom prst="rect">
+            <a:avLst/>
+          </a:prstGeom>
+          <a:noFill/>
+        </p:spPr>
+        <p:txBody>
+          <a:bodyPr wrap="none" rtlCol="0">
+            <a:spAutoFit/>
+          </a:bodyPr>
+          <a:lstStyle/>
+          <a:p>
+            <a:r>
+              <a:rPr lang="en-US" b="1" dirty="0"/>
+              <a:t>A</a:t>
+            </a:r>
+          </a:p>
+        </p:txBody>
+      </p:sp>
+      <p:sp>
+        <p:nvSpPr>
+          <p:cNvPr id="25" name="TextBox 24">
+            <a:extLst>
+              <a:ext uri="{FF2B5EF4-FFF2-40B4-BE49-F238E27FC236}">
+                <a16:creationId xmlns:a16="http://schemas.microsoft.com/office/drawing/2014/main" id="{9BBA19B5-4BF5-434F-9BFD-1DFE47BC0EF7}"/>
+              </a:ext>
+            </a:extLst>
+          </p:cNvPr>
+          <p:cNvSpPr txBox="1"/>
+          <p:nvPr/>
+        </p:nvSpPr>
+        <p:spPr>
+          <a:xfrm>
+            <a:off x="5277472" y="2385721"/>
+            <a:ext cx="324128" cy="369332"/>
+          </a:xfrm>
+          <a:prstGeom prst="rect">
+            <a:avLst/>
+          </a:prstGeom>
+          <a:noFill/>
+        </p:spPr>
+        <p:txBody>
+          <a:bodyPr wrap="none" rtlCol="0">
+            <a:spAutoFit/>
+          </a:bodyPr>
+          <a:lstStyle/>
+          <a:p>
+            <a:r>
+              <a:rPr lang="en-US" b="1" dirty="0"/>
+              <a:t>B</a:t>
+            </a:r>
+          </a:p>
+        </p:txBody>
+      </p:sp>
     </p:spTree>
     <p:extLst>
       <p:ext uri="{BB962C8B-B14F-4D97-AF65-F5344CB8AC3E}">

--- a/figures/fig2.parts/figure2.pptx
+++ b/figures/fig2.parts/figure2.pptx
@@ -259,7 +259,7 @@
           <a:p>
             <a:fld id="{1D111DE1-2521-E24F-8084-98DD5DFF5F08}" type="datetimeFigureOut">
               <a:rPr lang="en-US" smtClean="0"/>
-              <a:t>5/27/20</a:t>
+              <a:t>6/1/20</a:t>
             </a:fld>
             <a:endParaRPr lang="en-US"/>
           </a:p>
@@ -457,7 +457,7 @@
           <a:p>
             <a:fld id="{1D111DE1-2521-E24F-8084-98DD5DFF5F08}" type="datetimeFigureOut">
               <a:rPr lang="en-US" smtClean="0"/>
-              <a:t>5/27/20</a:t>
+              <a:t>6/1/20</a:t>
             </a:fld>
             <a:endParaRPr lang="en-US"/>
           </a:p>
@@ -665,7 +665,7 @@
           <a:p>
             <a:fld id="{1D111DE1-2521-E24F-8084-98DD5DFF5F08}" type="datetimeFigureOut">
               <a:rPr lang="en-US" smtClean="0"/>
-              <a:t>5/27/20</a:t>
+              <a:t>6/1/20</a:t>
             </a:fld>
             <a:endParaRPr lang="en-US"/>
           </a:p>
@@ -863,7 +863,7 @@
           <a:p>
             <a:fld id="{1D111DE1-2521-E24F-8084-98DD5DFF5F08}" type="datetimeFigureOut">
               <a:rPr lang="en-US" smtClean="0"/>
-              <a:t>5/27/20</a:t>
+              <a:t>6/1/20</a:t>
             </a:fld>
             <a:endParaRPr lang="en-US"/>
           </a:p>
@@ -1138,7 +1138,7 @@
           <a:p>
             <a:fld id="{1D111DE1-2521-E24F-8084-98DD5DFF5F08}" type="datetimeFigureOut">
               <a:rPr lang="en-US" smtClean="0"/>
-              <a:t>5/27/20</a:t>
+              <a:t>6/1/20</a:t>
             </a:fld>
             <a:endParaRPr lang="en-US"/>
           </a:p>
@@ -1403,7 +1403,7 @@
           <a:p>
             <a:fld id="{1D111DE1-2521-E24F-8084-98DD5DFF5F08}" type="datetimeFigureOut">
               <a:rPr lang="en-US" smtClean="0"/>
-              <a:t>5/27/20</a:t>
+              <a:t>6/1/20</a:t>
             </a:fld>
             <a:endParaRPr lang="en-US"/>
           </a:p>
@@ -1815,7 +1815,7 @@
           <a:p>
             <a:fld id="{1D111DE1-2521-E24F-8084-98DD5DFF5F08}" type="datetimeFigureOut">
               <a:rPr lang="en-US" smtClean="0"/>
-              <a:t>5/27/20</a:t>
+              <a:t>6/1/20</a:t>
             </a:fld>
             <a:endParaRPr lang="en-US"/>
           </a:p>
@@ -1956,7 +1956,7 @@
           <a:p>
             <a:fld id="{1D111DE1-2521-E24F-8084-98DD5DFF5F08}" type="datetimeFigureOut">
               <a:rPr lang="en-US" smtClean="0"/>
-              <a:t>5/27/20</a:t>
+              <a:t>6/1/20</a:t>
             </a:fld>
             <a:endParaRPr lang="en-US"/>
           </a:p>
@@ -2069,7 +2069,7 @@
           <a:p>
             <a:fld id="{1D111DE1-2521-E24F-8084-98DD5DFF5F08}" type="datetimeFigureOut">
               <a:rPr lang="en-US" smtClean="0"/>
-              <a:t>5/27/20</a:t>
+              <a:t>6/1/20</a:t>
             </a:fld>
             <a:endParaRPr lang="en-US"/>
           </a:p>
@@ -2380,7 +2380,7 @@
           <a:p>
             <a:fld id="{1D111DE1-2521-E24F-8084-98DD5DFF5F08}" type="datetimeFigureOut">
               <a:rPr lang="en-US" smtClean="0"/>
-              <a:t>5/27/20</a:t>
+              <a:t>6/1/20</a:t>
             </a:fld>
             <a:endParaRPr lang="en-US"/>
           </a:p>
@@ -2668,7 +2668,7 @@
           <a:p>
             <a:fld id="{1D111DE1-2521-E24F-8084-98DD5DFF5F08}" type="datetimeFigureOut">
               <a:rPr lang="en-US" smtClean="0"/>
-              <a:t>5/27/20</a:t>
+              <a:t>6/1/20</a:t>
             </a:fld>
             <a:endParaRPr lang="en-US"/>
           </a:p>
@@ -2909,7 +2909,7 @@
           <a:p>
             <a:fld id="{1D111DE1-2521-E24F-8084-98DD5DFF5F08}" type="datetimeFigureOut">
               <a:rPr lang="en-US" smtClean="0"/>
-              <a:t>5/27/20</a:t>
+              <a:t>6/1/20</a:t>
             </a:fld>
             <a:endParaRPr lang="en-US"/>
           </a:p>
@@ -3376,7 +3376,7 @@
         </p:blipFill>
         <p:spPr>
           <a:xfrm>
-            <a:off x="676512" y="2826527"/>
+            <a:off x="661522" y="2759072"/>
             <a:ext cx="4572000" cy="2649599"/>
           </a:xfrm>
           <a:prstGeom prst="rect">
@@ -3583,7 +3583,7 @@
         </p:nvGrpSpPr>
         <p:grpSpPr>
           <a:xfrm>
-            <a:off x="6240785" y="2698350"/>
+            <a:off x="6240785" y="2750815"/>
             <a:ext cx="3973166" cy="312773"/>
             <a:chOff x="6153865" y="2492870"/>
             <a:chExt cx="3973166" cy="312773"/>
@@ -3900,7 +3900,7 @@
         </p:nvSpPr>
         <p:spPr>
           <a:xfrm>
-            <a:off x="646168" y="2385721"/>
+            <a:off x="646168" y="2490651"/>
             <a:ext cx="324128" cy="369332"/>
           </a:xfrm>
           <a:prstGeom prst="rect">
@@ -3935,7 +3935,7 @@
         </p:nvSpPr>
         <p:spPr>
           <a:xfrm>
-            <a:off x="5277472" y="2385721"/>
+            <a:off x="5277472" y="2490651"/>
             <a:ext cx="324128" cy="369332"/>
           </a:xfrm>
           <a:prstGeom prst="rect">

--- a/figures/fig2.parts/figure2.pptx
+++ b/figures/fig2.parts/figure2.pptx
@@ -259,7 +259,7 @@
           <a:p>
             <a:fld id="{1D111DE1-2521-E24F-8084-98DD5DFF5F08}" type="datetimeFigureOut">
               <a:rPr lang="en-US" smtClean="0"/>
-              <a:t>6/1/20</a:t>
+              <a:t>6/3/20</a:t>
             </a:fld>
             <a:endParaRPr lang="en-US"/>
           </a:p>
@@ -457,7 +457,7 @@
           <a:p>
             <a:fld id="{1D111DE1-2521-E24F-8084-98DD5DFF5F08}" type="datetimeFigureOut">
               <a:rPr lang="en-US" smtClean="0"/>
-              <a:t>6/1/20</a:t>
+              <a:t>6/3/20</a:t>
             </a:fld>
             <a:endParaRPr lang="en-US"/>
           </a:p>
@@ -665,7 +665,7 @@
           <a:p>
             <a:fld id="{1D111DE1-2521-E24F-8084-98DD5DFF5F08}" type="datetimeFigureOut">
               <a:rPr lang="en-US" smtClean="0"/>
-              <a:t>6/1/20</a:t>
+              <a:t>6/3/20</a:t>
             </a:fld>
             <a:endParaRPr lang="en-US"/>
           </a:p>
@@ -863,7 +863,7 @@
           <a:p>
             <a:fld id="{1D111DE1-2521-E24F-8084-98DD5DFF5F08}" type="datetimeFigureOut">
               <a:rPr lang="en-US" smtClean="0"/>
-              <a:t>6/1/20</a:t>
+              <a:t>6/3/20</a:t>
             </a:fld>
             <a:endParaRPr lang="en-US"/>
           </a:p>
@@ -1138,7 +1138,7 @@
           <a:p>
             <a:fld id="{1D111DE1-2521-E24F-8084-98DD5DFF5F08}" type="datetimeFigureOut">
               <a:rPr lang="en-US" smtClean="0"/>
-              <a:t>6/1/20</a:t>
+              <a:t>6/3/20</a:t>
             </a:fld>
             <a:endParaRPr lang="en-US"/>
           </a:p>
@@ -1403,7 +1403,7 @@
           <a:p>
             <a:fld id="{1D111DE1-2521-E24F-8084-98DD5DFF5F08}" type="datetimeFigureOut">
               <a:rPr lang="en-US" smtClean="0"/>
-              <a:t>6/1/20</a:t>
+              <a:t>6/3/20</a:t>
             </a:fld>
             <a:endParaRPr lang="en-US"/>
           </a:p>
@@ -1815,7 +1815,7 @@
           <a:p>
             <a:fld id="{1D111DE1-2521-E24F-8084-98DD5DFF5F08}" type="datetimeFigureOut">
               <a:rPr lang="en-US" smtClean="0"/>
-              <a:t>6/1/20</a:t>
+              <a:t>6/3/20</a:t>
             </a:fld>
             <a:endParaRPr lang="en-US"/>
           </a:p>
@@ -1956,7 +1956,7 @@
           <a:p>
             <a:fld id="{1D111DE1-2521-E24F-8084-98DD5DFF5F08}" type="datetimeFigureOut">
               <a:rPr lang="en-US" smtClean="0"/>
-              <a:t>6/1/20</a:t>
+              <a:t>6/3/20</a:t>
             </a:fld>
             <a:endParaRPr lang="en-US"/>
           </a:p>
@@ -2069,7 +2069,7 @@
           <a:p>
             <a:fld id="{1D111DE1-2521-E24F-8084-98DD5DFF5F08}" type="datetimeFigureOut">
               <a:rPr lang="en-US" smtClean="0"/>
-              <a:t>6/1/20</a:t>
+              <a:t>6/3/20</a:t>
             </a:fld>
             <a:endParaRPr lang="en-US"/>
           </a:p>
@@ -2380,7 +2380,7 @@
           <a:p>
             <a:fld id="{1D111DE1-2521-E24F-8084-98DD5DFF5F08}" type="datetimeFigureOut">
               <a:rPr lang="en-US" smtClean="0"/>
-              <a:t>6/1/20</a:t>
+              <a:t>6/3/20</a:t>
             </a:fld>
             <a:endParaRPr lang="en-US"/>
           </a:p>
@@ -2668,7 +2668,7 @@
           <a:p>
             <a:fld id="{1D111DE1-2521-E24F-8084-98DD5DFF5F08}" type="datetimeFigureOut">
               <a:rPr lang="en-US" smtClean="0"/>
-              <a:t>6/1/20</a:t>
+              <a:t>6/3/20</a:t>
             </a:fld>
             <a:endParaRPr lang="en-US"/>
           </a:p>
@@ -2909,7 +2909,7 @@
           <a:p>
             <a:fld id="{1D111DE1-2521-E24F-8084-98DD5DFF5F08}" type="datetimeFigureOut">
               <a:rPr lang="en-US" smtClean="0"/>
-              <a:t>6/1/20</a:t>
+              <a:t>6/3/20</a:t>
             </a:fld>
             <a:endParaRPr lang="en-US"/>
           </a:p>
@@ -3328,10 +3328,10 @@
       </p:grpSpPr>
       <p:pic>
         <p:nvPicPr>
-          <p:cNvPr id="5" name="Picture 4">
-            <a:extLst>
-              <a:ext uri="{FF2B5EF4-FFF2-40B4-BE49-F238E27FC236}">
-                <a16:creationId xmlns:a16="http://schemas.microsoft.com/office/drawing/2014/main" id="{78A585D9-3E52-5143-9E6F-9893E05C384E}"/>
+          <p:cNvPr id="23" name="Picture 22">
+            <a:extLst>
+              <a:ext uri="{FF2B5EF4-FFF2-40B4-BE49-F238E27FC236}">
+                <a16:creationId xmlns:a16="http://schemas.microsoft.com/office/drawing/2014/main" id="{016441C1-DF00-8F49-854B-1A987ACB900C}"/>
               </a:ext>
             </a:extLst>
           </p:cNvPr>
@@ -3342,6 +3342,35 @@
         </p:nvPicPr>
         <p:blipFill rotWithShape="1">
           <a:blip r:embed="rId2"/>
+          <a:srcRect r="89405"/>
+          <a:stretch/>
+        </p:blipFill>
+        <p:spPr>
+          <a:xfrm>
+            <a:off x="682744" y="2255071"/>
+            <a:ext cx="484407" cy="3657600"/>
+          </a:xfrm>
+          <a:prstGeom prst="rect">
+            <a:avLst/>
+          </a:prstGeom>
+        </p:spPr>
+      </p:pic>
+      <p:pic>
+        <p:nvPicPr>
+          <p:cNvPr id="5" name="Picture 4">
+            <a:extLst>
+              <a:ext uri="{FF2B5EF4-FFF2-40B4-BE49-F238E27FC236}">
+                <a16:creationId xmlns:a16="http://schemas.microsoft.com/office/drawing/2014/main" id="{78A585D9-3E52-5143-9E6F-9893E05C384E}"/>
+              </a:ext>
+            </a:extLst>
+          </p:cNvPr>
+          <p:cNvPicPr>
+            <a:picLocks noChangeAspect="1"/>
+          </p:cNvPicPr>
+          <p:nvPr/>
+        </p:nvPicPr>
+        <p:blipFill rotWithShape="1">
+          <a:blip r:embed="rId3"/>
           <a:srcRect t="17486" b="13694"/>
           <a:stretch/>
         </p:blipFill>
@@ -3370,14 +3399,14 @@
           <p:nvPr/>
         </p:nvPicPr>
         <p:blipFill rotWithShape="1">
-          <a:blip r:embed="rId3"/>
-          <a:srcRect t="13866" b="13693"/>
+          <a:blip r:embed="rId4"/>
+          <a:srcRect l="9164" t="13866" b="13693"/>
           <a:stretch/>
         </p:blipFill>
         <p:spPr>
           <a:xfrm>
-            <a:off x="661522" y="2759072"/>
-            <a:ext cx="4572000" cy="2649599"/>
+            <a:off x="1080502" y="2759072"/>
+            <a:ext cx="4153020" cy="2649599"/>
           </a:xfrm>
           <a:prstGeom prst="rect">
             <a:avLst/>

--- a/figures/fig2.parts/figure2.pptx
+++ b/figures/fig2.parts/figure2.pptx
@@ -259,7 +259,7 @@
           <a:p>
             <a:fld id="{1D111DE1-2521-E24F-8084-98DD5DFF5F08}" type="datetimeFigureOut">
               <a:rPr lang="en-US" smtClean="0"/>
-              <a:t>6/3/20</a:t>
+              <a:t>7/11/20</a:t>
             </a:fld>
             <a:endParaRPr lang="en-US"/>
           </a:p>
@@ -457,7 +457,7 @@
           <a:p>
             <a:fld id="{1D111DE1-2521-E24F-8084-98DD5DFF5F08}" type="datetimeFigureOut">
               <a:rPr lang="en-US" smtClean="0"/>
-              <a:t>6/3/20</a:t>
+              <a:t>7/11/20</a:t>
             </a:fld>
             <a:endParaRPr lang="en-US"/>
           </a:p>
@@ -665,7 +665,7 @@
           <a:p>
             <a:fld id="{1D111DE1-2521-E24F-8084-98DD5DFF5F08}" type="datetimeFigureOut">
               <a:rPr lang="en-US" smtClean="0"/>
-              <a:t>6/3/20</a:t>
+              <a:t>7/11/20</a:t>
             </a:fld>
             <a:endParaRPr lang="en-US"/>
           </a:p>
@@ -863,7 +863,7 @@
           <a:p>
             <a:fld id="{1D111DE1-2521-E24F-8084-98DD5DFF5F08}" type="datetimeFigureOut">
               <a:rPr lang="en-US" smtClean="0"/>
-              <a:t>6/3/20</a:t>
+              <a:t>7/11/20</a:t>
             </a:fld>
             <a:endParaRPr lang="en-US"/>
           </a:p>
@@ -1138,7 +1138,7 @@
           <a:p>
             <a:fld id="{1D111DE1-2521-E24F-8084-98DD5DFF5F08}" type="datetimeFigureOut">
               <a:rPr lang="en-US" smtClean="0"/>
-              <a:t>6/3/20</a:t>
+              <a:t>7/11/20</a:t>
             </a:fld>
             <a:endParaRPr lang="en-US"/>
           </a:p>
@@ -1403,7 +1403,7 @@
           <a:p>
             <a:fld id="{1D111DE1-2521-E24F-8084-98DD5DFF5F08}" type="datetimeFigureOut">
               <a:rPr lang="en-US" smtClean="0"/>
-              <a:t>6/3/20</a:t>
+              <a:t>7/11/20</a:t>
             </a:fld>
             <a:endParaRPr lang="en-US"/>
           </a:p>
@@ -1815,7 +1815,7 @@
           <a:p>
             <a:fld id="{1D111DE1-2521-E24F-8084-98DD5DFF5F08}" type="datetimeFigureOut">
               <a:rPr lang="en-US" smtClean="0"/>
-              <a:t>6/3/20</a:t>
+              <a:t>7/11/20</a:t>
             </a:fld>
             <a:endParaRPr lang="en-US"/>
           </a:p>
@@ -1956,7 +1956,7 @@
           <a:p>
             <a:fld id="{1D111DE1-2521-E24F-8084-98DD5DFF5F08}" type="datetimeFigureOut">
               <a:rPr lang="en-US" smtClean="0"/>
-              <a:t>6/3/20</a:t>
+              <a:t>7/11/20</a:t>
             </a:fld>
             <a:endParaRPr lang="en-US"/>
           </a:p>
@@ -2069,7 +2069,7 @@
           <a:p>
             <a:fld id="{1D111DE1-2521-E24F-8084-98DD5DFF5F08}" type="datetimeFigureOut">
               <a:rPr lang="en-US" smtClean="0"/>
-              <a:t>6/3/20</a:t>
+              <a:t>7/11/20</a:t>
             </a:fld>
             <a:endParaRPr lang="en-US"/>
           </a:p>
@@ -2380,7 +2380,7 @@
           <a:p>
             <a:fld id="{1D111DE1-2521-E24F-8084-98DD5DFF5F08}" type="datetimeFigureOut">
               <a:rPr lang="en-US" smtClean="0"/>
-              <a:t>6/3/20</a:t>
+              <a:t>7/11/20</a:t>
             </a:fld>
             <a:endParaRPr lang="en-US"/>
           </a:p>
@@ -2668,7 +2668,7 @@
           <a:p>
             <a:fld id="{1D111DE1-2521-E24F-8084-98DD5DFF5F08}" type="datetimeFigureOut">
               <a:rPr lang="en-US" smtClean="0"/>
-              <a:t>6/3/20</a:t>
+              <a:t>7/11/20</a:t>
             </a:fld>
             <a:endParaRPr lang="en-US"/>
           </a:p>
@@ -2909,7 +2909,7 @@
           <a:p>
             <a:fld id="{1D111DE1-2521-E24F-8084-98DD5DFF5F08}" type="datetimeFigureOut">
               <a:rPr lang="en-US" smtClean="0"/>
-              <a:t>6/3/20</a:t>
+              <a:t>7/11/20</a:t>
             </a:fld>
             <a:endParaRPr lang="en-US"/>
           </a:p>
@@ -3328,10 +3328,10 @@
       </p:grpSpPr>
       <p:pic>
         <p:nvPicPr>
-          <p:cNvPr id="23" name="Picture 22">
-            <a:extLst>
-              <a:ext uri="{FF2B5EF4-FFF2-40B4-BE49-F238E27FC236}">
-                <a16:creationId xmlns:a16="http://schemas.microsoft.com/office/drawing/2014/main" id="{016441C1-DF00-8F49-854B-1A987ACB900C}"/>
+          <p:cNvPr id="27" name="Picture 26">
+            <a:extLst>
+              <a:ext uri="{FF2B5EF4-FFF2-40B4-BE49-F238E27FC236}">
+                <a16:creationId xmlns:a16="http://schemas.microsoft.com/office/drawing/2014/main" id="{910B0930-F6E9-954B-A745-DE89A9BF0E48}"/>
               </a:ext>
             </a:extLst>
           </p:cNvPr>
@@ -3342,13 +3342,13 @@
         </p:nvPicPr>
         <p:blipFill rotWithShape="1">
           <a:blip r:embed="rId2"/>
-          <a:srcRect r="89405"/>
+          <a:srcRect l="7904"/>
           <a:stretch/>
         </p:blipFill>
         <p:spPr>
           <a:xfrm>
-            <a:off x="682744" y="2255071"/>
-            <a:ext cx="484407" cy="3657600"/>
+            <a:off x="964811" y="426271"/>
+            <a:ext cx="5449643" cy="5917312"/>
           </a:xfrm>
           <a:prstGeom prst="rect">
             <a:avLst/>
@@ -3357,10 +3357,10 @@
       </p:pic>
       <p:pic>
         <p:nvPicPr>
-          <p:cNvPr id="5" name="Picture 4">
-            <a:extLst>
-              <a:ext uri="{FF2B5EF4-FFF2-40B4-BE49-F238E27FC236}">
-                <a16:creationId xmlns:a16="http://schemas.microsoft.com/office/drawing/2014/main" id="{78A585D9-3E52-5143-9E6F-9893E05C384E}"/>
+          <p:cNvPr id="22" name="Picture 21">
+            <a:extLst>
+              <a:ext uri="{FF2B5EF4-FFF2-40B4-BE49-F238E27FC236}">
+                <a16:creationId xmlns:a16="http://schemas.microsoft.com/office/drawing/2014/main" id="{528A96F1-2ED7-764E-9C75-3AF89381BF26}"/>
               </a:ext>
             </a:extLst>
           </p:cNvPr>
@@ -3369,15 +3369,16 @@
           </p:cNvPicPr>
           <p:nvPr/>
         </p:nvPicPr>
-        <p:blipFill rotWithShape="1">
+        <p:blipFill>
           <a:blip r:embed="rId3"/>
-          <a:srcRect t="17486" b="13694"/>
-          <a:stretch/>
+          <a:stretch>
+            <a:fillRect/>
+          </a:stretch>
         </p:blipFill>
         <p:spPr>
           <a:xfrm>
-            <a:off x="5294493" y="2892741"/>
-            <a:ext cx="5486400" cy="2517169"/>
+            <a:off x="5935840" y="426271"/>
+            <a:ext cx="5917312" cy="5917312"/>
           </a:xfrm>
           <a:prstGeom prst="rect">
             <a:avLst/>
@@ -3386,10 +3387,10 @@
       </p:pic>
       <p:pic>
         <p:nvPicPr>
-          <p:cNvPr id="20" name="Picture 19">
-            <a:extLst>
-              <a:ext uri="{FF2B5EF4-FFF2-40B4-BE49-F238E27FC236}">
-                <a16:creationId xmlns:a16="http://schemas.microsoft.com/office/drawing/2014/main" id="{9B6C9A9B-1E8C-A74F-A76A-C9D72DFE5678}"/>
+          <p:cNvPr id="23" name="Picture 22">
+            <a:extLst>
+              <a:ext uri="{FF2B5EF4-FFF2-40B4-BE49-F238E27FC236}">
+                <a16:creationId xmlns:a16="http://schemas.microsoft.com/office/drawing/2014/main" id="{016441C1-DF00-8F49-854B-1A987ACB900C}"/>
               </a:ext>
             </a:extLst>
           </p:cNvPr>
@@ -3400,13 +3401,13 @@
         </p:nvPicPr>
         <p:blipFill rotWithShape="1">
           <a:blip r:embed="rId4"/>
-          <a:srcRect l="9164" t="13866" b="13693"/>
+          <a:srcRect r="89405"/>
           <a:stretch/>
         </p:blipFill>
         <p:spPr>
           <a:xfrm>
-            <a:off x="1080502" y="2759072"/>
-            <a:ext cx="4153020" cy="2649599"/>
+            <a:off x="181431" y="750278"/>
+            <a:ext cx="697858" cy="5269297"/>
           </a:xfrm>
           <a:prstGeom prst="rect">
             <a:avLst/>
@@ -3427,7 +3428,7 @@
         </p:nvSpPr>
         <p:spPr>
           <a:xfrm>
-            <a:off x="2978840" y="2753266"/>
+            <a:off x="3234872" y="924466"/>
             <a:ext cx="409904" cy="307777"/>
           </a:xfrm>
           <a:prstGeom prst="rect">
@@ -3464,7 +3465,7 @@
         </p:nvSpPr>
         <p:spPr>
           <a:xfrm>
-            <a:off x="2344084" y="2747468"/>
+            <a:off x="2435524" y="918668"/>
             <a:ext cx="409904" cy="307777"/>
           </a:xfrm>
           <a:prstGeom prst="rect">
@@ -3501,7 +3502,7 @@
         </p:nvSpPr>
         <p:spPr>
           <a:xfrm>
-            <a:off x="1663273" y="2755053"/>
+            <a:off x="1663273" y="926253"/>
             <a:ext cx="409904" cy="307777"/>
           </a:xfrm>
           <a:prstGeom prst="rect">
@@ -3538,7 +3539,7 @@
         </p:nvSpPr>
         <p:spPr>
           <a:xfrm>
-            <a:off x="3618884" y="2747467"/>
+            <a:off x="4076084" y="918667"/>
             <a:ext cx="409904" cy="307777"/>
           </a:xfrm>
           <a:prstGeom prst="rect">
@@ -3575,7 +3576,7 @@
         </p:nvSpPr>
         <p:spPr>
           <a:xfrm>
-            <a:off x="4229065" y="2751236"/>
+            <a:off x="4887433" y="922436"/>
             <a:ext cx="409904" cy="307777"/>
           </a:xfrm>
           <a:prstGeom prst="rect">
@@ -3612,7 +3613,7 @@
         </p:nvGrpSpPr>
         <p:grpSpPr>
           <a:xfrm>
-            <a:off x="6240785" y="2750815"/>
+            <a:off x="6933762" y="929694"/>
             <a:ext cx="3973166" cy="312773"/>
             <a:chOff x="6153865" y="2492870"/>
             <a:chExt cx="3973166" cy="312773"/>
@@ -3929,7 +3930,7 @@
         </p:nvSpPr>
         <p:spPr>
           <a:xfrm>
-            <a:off x="646168" y="2490651"/>
+            <a:off x="554985" y="677658"/>
             <a:ext cx="324128" cy="369332"/>
           </a:xfrm>
           <a:prstGeom prst="rect">
@@ -3964,7 +3965,7 @@
         </p:nvSpPr>
         <p:spPr>
           <a:xfrm>
-            <a:off x="5277472" y="2490651"/>
+            <a:off x="6063255" y="685408"/>
             <a:ext cx="324128" cy="369332"/>
           </a:xfrm>
           <a:prstGeom prst="rect">

--- a/figures/fig2.parts/figure2.pptx
+++ b/figures/fig2.parts/figure2.pptx
@@ -259,7 +259,7 @@
           <a:p>
             <a:fld id="{1D111DE1-2521-E24F-8084-98DD5DFF5F08}" type="datetimeFigureOut">
               <a:rPr lang="en-US" smtClean="0"/>
-              <a:t>7/11/20</a:t>
+              <a:t>7/30/20</a:t>
             </a:fld>
             <a:endParaRPr lang="en-US"/>
           </a:p>
@@ -457,7 +457,7 @@
           <a:p>
             <a:fld id="{1D111DE1-2521-E24F-8084-98DD5DFF5F08}" type="datetimeFigureOut">
               <a:rPr lang="en-US" smtClean="0"/>
-              <a:t>7/11/20</a:t>
+              <a:t>7/30/20</a:t>
             </a:fld>
             <a:endParaRPr lang="en-US"/>
           </a:p>
@@ -665,7 +665,7 @@
           <a:p>
             <a:fld id="{1D111DE1-2521-E24F-8084-98DD5DFF5F08}" type="datetimeFigureOut">
               <a:rPr lang="en-US" smtClean="0"/>
-              <a:t>7/11/20</a:t>
+              <a:t>7/30/20</a:t>
             </a:fld>
             <a:endParaRPr lang="en-US"/>
           </a:p>
@@ -863,7 +863,7 @@
           <a:p>
             <a:fld id="{1D111DE1-2521-E24F-8084-98DD5DFF5F08}" type="datetimeFigureOut">
               <a:rPr lang="en-US" smtClean="0"/>
-              <a:t>7/11/20</a:t>
+              <a:t>7/30/20</a:t>
             </a:fld>
             <a:endParaRPr lang="en-US"/>
           </a:p>
@@ -1138,7 +1138,7 @@
           <a:p>
             <a:fld id="{1D111DE1-2521-E24F-8084-98DD5DFF5F08}" type="datetimeFigureOut">
               <a:rPr lang="en-US" smtClean="0"/>
-              <a:t>7/11/20</a:t>
+              <a:t>7/30/20</a:t>
             </a:fld>
             <a:endParaRPr lang="en-US"/>
           </a:p>
@@ -1403,7 +1403,7 @@
           <a:p>
             <a:fld id="{1D111DE1-2521-E24F-8084-98DD5DFF5F08}" type="datetimeFigureOut">
               <a:rPr lang="en-US" smtClean="0"/>
-              <a:t>7/11/20</a:t>
+              <a:t>7/30/20</a:t>
             </a:fld>
             <a:endParaRPr lang="en-US"/>
           </a:p>
@@ -1815,7 +1815,7 @@
           <a:p>
             <a:fld id="{1D111DE1-2521-E24F-8084-98DD5DFF5F08}" type="datetimeFigureOut">
               <a:rPr lang="en-US" smtClean="0"/>
-              <a:t>7/11/20</a:t>
+              <a:t>7/30/20</a:t>
             </a:fld>
             <a:endParaRPr lang="en-US"/>
           </a:p>
@@ -1956,7 +1956,7 @@
           <a:p>
             <a:fld id="{1D111DE1-2521-E24F-8084-98DD5DFF5F08}" type="datetimeFigureOut">
               <a:rPr lang="en-US" smtClean="0"/>
-              <a:t>7/11/20</a:t>
+              <a:t>7/30/20</a:t>
             </a:fld>
             <a:endParaRPr lang="en-US"/>
           </a:p>
@@ -2069,7 +2069,7 @@
           <a:p>
             <a:fld id="{1D111DE1-2521-E24F-8084-98DD5DFF5F08}" type="datetimeFigureOut">
               <a:rPr lang="en-US" smtClean="0"/>
-              <a:t>7/11/20</a:t>
+              <a:t>7/30/20</a:t>
             </a:fld>
             <a:endParaRPr lang="en-US"/>
           </a:p>
@@ -2380,7 +2380,7 @@
           <a:p>
             <a:fld id="{1D111DE1-2521-E24F-8084-98DD5DFF5F08}" type="datetimeFigureOut">
               <a:rPr lang="en-US" smtClean="0"/>
-              <a:t>7/11/20</a:t>
+              <a:t>7/30/20</a:t>
             </a:fld>
             <a:endParaRPr lang="en-US"/>
           </a:p>
@@ -2668,7 +2668,7 @@
           <a:p>
             <a:fld id="{1D111DE1-2521-E24F-8084-98DD5DFF5F08}" type="datetimeFigureOut">
               <a:rPr lang="en-US" smtClean="0"/>
-              <a:t>7/11/20</a:t>
+              <a:t>7/30/20</a:t>
             </a:fld>
             <a:endParaRPr lang="en-US"/>
           </a:p>
@@ -2909,7 +2909,7 @@
           <a:p>
             <a:fld id="{1D111DE1-2521-E24F-8084-98DD5DFF5F08}" type="datetimeFigureOut">
               <a:rPr lang="en-US" smtClean="0"/>
-              <a:t>7/11/20</a:t>
+              <a:t>7/30/20</a:t>
             </a:fld>
             <a:endParaRPr lang="en-US"/>
           </a:p>
@@ -3328,10 +3328,10 @@
       </p:grpSpPr>
       <p:pic>
         <p:nvPicPr>
-          <p:cNvPr id="27" name="Picture 26">
-            <a:extLst>
-              <a:ext uri="{FF2B5EF4-FFF2-40B4-BE49-F238E27FC236}">
-                <a16:creationId xmlns:a16="http://schemas.microsoft.com/office/drawing/2014/main" id="{910B0930-F6E9-954B-A745-DE89A9BF0E48}"/>
+          <p:cNvPr id="23" name="Picture 22">
+            <a:extLst>
+              <a:ext uri="{FF2B5EF4-FFF2-40B4-BE49-F238E27FC236}">
+                <a16:creationId xmlns:a16="http://schemas.microsoft.com/office/drawing/2014/main" id="{016441C1-DF00-8F49-854B-1A987ACB900C}"/>
               </a:ext>
             </a:extLst>
           </p:cNvPr>
@@ -3342,65 +3342,6 @@
         </p:nvPicPr>
         <p:blipFill rotWithShape="1">
           <a:blip r:embed="rId2"/>
-          <a:srcRect l="7904"/>
-          <a:stretch/>
-        </p:blipFill>
-        <p:spPr>
-          <a:xfrm>
-            <a:off x="964811" y="426271"/>
-            <a:ext cx="5449643" cy="5917312"/>
-          </a:xfrm>
-          <a:prstGeom prst="rect">
-            <a:avLst/>
-          </a:prstGeom>
-        </p:spPr>
-      </p:pic>
-      <p:pic>
-        <p:nvPicPr>
-          <p:cNvPr id="22" name="Picture 21">
-            <a:extLst>
-              <a:ext uri="{FF2B5EF4-FFF2-40B4-BE49-F238E27FC236}">
-                <a16:creationId xmlns:a16="http://schemas.microsoft.com/office/drawing/2014/main" id="{528A96F1-2ED7-764E-9C75-3AF89381BF26}"/>
-              </a:ext>
-            </a:extLst>
-          </p:cNvPr>
-          <p:cNvPicPr>
-            <a:picLocks noChangeAspect="1"/>
-          </p:cNvPicPr>
-          <p:nvPr/>
-        </p:nvPicPr>
-        <p:blipFill>
-          <a:blip r:embed="rId3"/>
-          <a:stretch>
-            <a:fillRect/>
-          </a:stretch>
-        </p:blipFill>
-        <p:spPr>
-          <a:xfrm>
-            <a:off x="5935840" y="426271"/>
-            <a:ext cx="5917312" cy="5917312"/>
-          </a:xfrm>
-          <a:prstGeom prst="rect">
-            <a:avLst/>
-          </a:prstGeom>
-        </p:spPr>
-      </p:pic>
-      <p:pic>
-        <p:nvPicPr>
-          <p:cNvPr id="23" name="Picture 22">
-            <a:extLst>
-              <a:ext uri="{FF2B5EF4-FFF2-40B4-BE49-F238E27FC236}">
-                <a16:creationId xmlns:a16="http://schemas.microsoft.com/office/drawing/2014/main" id="{016441C1-DF00-8F49-854B-1A987ACB900C}"/>
-              </a:ext>
-            </a:extLst>
-          </p:cNvPr>
-          <p:cNvPicPr>
-            <a:picLocks noChangeAspect="1"/>
-          </p:cNvPicPr>
-          <p:nvPr/>
-        </p:nvPicPr>
-        <p:blipFill rotWithShape="1">
-          <a:blip r:embed="rId4"/>
           <a:srcRect r="89405"/>
           <a:stretch/>
         </p:blipFill>
@@ -3416,6 +3357,105 @@
       </p:pic>
       <p:sp>
         <p:nvSpPr>
+          <p:cNvPr id="21" name="TextBox 20">
+            <a:extLst>
+              <a:ext uri="{FF2B5EF4-FFF2-40B4-BE49-F238E27FC236}">
+                <a16:creationId xmlns:a16="http://schemas.microsoft.com/office/drawing/2014/main" id="{C3ADC503-F2AE-1B4C-8CE8-07A73077D303}"/>
+              </a:ext>
+            </a:extLst>
+          </p:cNvPr>
+          <p:cNvSpPr txBox="1"/>
+          <p:nvPr/>
+        </p:nvSpPr>
+        <p:spPr>
+          <a:xfrm>
+            <a:off x="554985" y="677658"/>
+            <a:ext cx="324128" cy="369332"/>
+          </a:xfrm>
+          <a:prstGeom prst="rect">
+            <a:avLst/>
+          </a:prstGeom>
+          <a:noFill/>
+        </p:spPr>
+        <p:txBody>
+          <a:bodyPr wrap="none" rtlCol="0">
+            <a:spAutoFit/>
+          </a:bodyPr>
+          <a:lstStyle/>
+          <a:p>
+            <a:r>
+              <a:rPr lang="en-US" b="1" dirty="0"/>
+              <a:t>A</a:t>
+            </a:r>
+          </a:p>
+        </p:txBody>
+      </p:sp>
+      <p:sp>
+        <p:nvSpPr>
+          <p:cNvPr id="25" name="TextBox 24">
+            <a:extLst>
+              <a:ext uri="{FF2B5EF4-FFF2-40B4-BE49-F238E27FC236}">
+                <a16:creationId xmlns:a16="http://schemas.microsoft.com/office/drawing/2014/main" id="{9BBA19B5-4BF5-434F-9BFD-1DFE47BC0EF7}"/>
+              </a:ext>
+            </a:extLst>
+          </p:cNvPr>
+          <p:cNvSpPr txBox="1"/>
+          <p:nvPr/>
+        </p:nvSpPr>
+        <p:spPr>
+          <a:xfrm>
+            <a:off x="6063255" y="685408"/>
+            <a:ext cx="324128" cy="369332"/>
+          </a:xfrm>
+          <a:prstGeom prst="rect">
+            <a:avLst/>
+          </a:prstGeom>
+          <a:noFill/>
+        </p:spPr>
+        <p:txBody>
+          <a:bodyPr wrap="none" rtlCol="0">
+            <a:spAutoFit/>
+          </a:bodyPr>
+          <a:lstStyle/>
+          <a:p>
+            <a:r>
+              <a:rPr lang="en-US" b="1" dirty="0"/>
+              <a:t>B</a:t>
+            </a:r>
+          </a:p>
+        </p:txBody>
+      </p:sp>
+      <p:pic>
+        <p:nvPicPr>
+          <p:cNvPr id="5" name="Picture 4">
+            <a:extLst>
+              <a:ext uri="{FF2B5EF4-FFF2-40B4-BE49-F238E27FC236}">
+                <a16:creationId xmlns:a16="http://schemas.microsoft.com/office/drawing/2014/main" id="{6DF67F58-84F2-3A47-8F7B-299264C03923}"/>
+              </a:ext>
+            </a:extLst>
+          </p:cNvPr>
+          <p:cNvPicPr>
+            <a:picLocks noChangeAspect="1"/>
+          </p:cNvPicPr>
+          <p:nvPr/>
+        </p:nvPicPr>
+        <p:blipFill rotWithShape="1">
+          <a:blip r:embed="rId3"/>
+          <a:srcRect l="3103" t="11448" r="11778"/>
+          <a:stretch/>
+        </p:blipFill>
+        <p:spPr>
+          <a:xfrm>
+            <a:off x="725500" y="1117741"/>
+            <a:ext cx="4970531" cy="5170978"/>
+          </a:xfrm>
+          <a:prstGeom prst="rect">
+            <a:avLst/>
+          </a:prstGeom>
+        </p:spPr>
+      </p:pic>
+      <p:sp>
+        <p:nvSpPr>
           <p:cNvPr id="2" name="TextBox 1">
             <a:extLst>
               <a:ext uri="{FF2B5EF4-FFF2-40B4-BE49-F238E27FC236}">
@@ -3599,6 +3639,35 @@
           </a:p>
         </p:txBody>
       </p:sp>
+      <p:pic>
+        <p:nvPicPr>
+          <p:cNvPr id="24" name="Picture 23">
+            <a:extLst>
+              <a:ext uri="{FF2B5EF4-FFF2-40B4-BE49-F238E27FC236}">
+                <a16:creationId xmlns:a16="http://schemas.microsoft.com/office/drawing/2014/main" id="{2A493E80-53AA-5D48-A8A1-FA98759FD3BB}"/>
+              </a:ext>
+            </a:extLst>
+          </p:cNvPr>
+          <p:cNvPicPr>
+            <a:picLocks noChangeAspect="1"/>
+          </p:cNvPicPr>
+          <p:nvPr/>
+        </p:nvPicPr>
+        <p:blipFill rotWithShape="1">
+          <a:blip r:embed="rId4"/>
+          <a:srcRect l="-1343" t="12148" r="11410" b="-803"/>
+          <a:stretch/>
+        </p:blipFill>
+        <p:spPr>
+          <a:xfrm>
+            <a:off x="5935954" y="1132739"/>
+            <a:ext cx="5311166" cy="5235743"/>
+          </a:xfrm>
+          <a:prstGeom prst="rect">
+            <a:avLst/>
+          </a:prstGeom>
+        </p:spPr>
+      </p:pic>
       <p:grpSp>
         <p:nvGrpSpPr>
           <p:cNvPr id="4" name="Group 3">
@@ -3916,76 +3985,6 @@
           </p:txBody>
         </p:sp>
       </p:grpSp>
-      <p:sp>
-        <p:nvSpPr>
-          <p:cNvPr id="21" name="TextBox 20">
-            <a:extLst>
-              <a:ext uri="{FF2B5EF4-FFF2-40B4-BE49-F238E27FC236}">
-                <a16:creationId xmlns:a16="http://schemas.microsoft.com/office/drawing/2014/main" id="{C3ADC503-F2AE-1B4C-8CE8-07A73077D303}"/>
-              </a:ext>
-            </a:extLst>
-          </p:cNvPr>
-          <p:cNvSpPr txBox="1"/>
-          <p:nvPr/>
-        </p:nvSpPr>
-        <p:spPr>
-          <a:xfrm>
-            <a:off x="554985" y="677658"/>
-            <a:ext cx="324128" cy="369332"/>
-          </a:xfrm>
-          <a:prstGeom prst="rect">
-            <a:avLst/>
-          </a:prstGeom>
-          <a:noFill/>
-        </p:spPr>
-        <p:txBody>
-          <a:bodyPr wrap="none" rtlCol="0">
-            <a:spAutoFit/>
-          </a:bodyPr>
-          <a:lstStyle/>
-          <a:p>
-            <a:r>
-              <a:rPr lang="en-US" b="1" dirty="0"/>
-              <a:t>A</a:t>
-            </a:r>
-          </a:p>
-        </p:txBody>
-      </p:sp>
-      <p:sp>
-        <p:nvSpPr>
-          <p:cNvPr id="25" name="TextBox 24">
-            <a:extLst>
-              <a:ext uri="{FF2B5EF4-FFF2-40B4-BE49-F238E27FC236}">
-                <a16:creationId xmlns:a16="http://schemas.microsoft.com/office/drawing/2014/main" id="{9BBA19B5-4BF5-434F-9BFD-1DFE47BC0EF7}"/>
-              </a:ext>
-            </a:extLst>
-          </p:cNvPr>
-          <p:cNvSpPr txBox="1"/>
-          <p:nvPr/>
-        </p:nvSpPr>
-        <p:spPr>
-          <a:xfrm>
-            <a:off x="6063255" y="685408"/>
-            <a:ext cx="324128" cy="369332"/>
-          </a:xfrm>
-          <a:prstGeom prst="rect">
-            <a:avLst/>
-          </a:prstGeom>
-          <a:noFill/>
-        </p:spPr>
-        <p:txBody>
-          <a:bodyPr wrap="none" rtlCol="0">
-            <a:spAutoFit/>
-          </a:bodyPr>
-          <a:lstStyle/>
-          <a:p>
-            <a:r>
-              <a:rPr lang="en-US" b="1" dirty="0"/>
-              <a:t>B</a:t>
-            </a:r>
-          </a:p>
-        </p:txBody>
-      </p:sp>
     </p:spTree>
     <p:extLst>
       <p:ext uri="{BB962C8B-B14F-4D97-AF65-F5344CB8AC3E}">

--- a/figures/fig2.parts/figure2.pptx
+++ b/figures/fig2.parts/figure2.pptx
@@ -259,7 +259,7 @@
           <a:p>
             <a:fld id="{1D111DE1-2521-E24F-8084-98DD5DFF5F08}" type="datetimeFigureOut">
               <a:rPr lang="en-US" smtClean="0"/>
-              <a:t>7/30/20</a:t>
+              <a:t>3/3/23</a:t>
             </a:fld>
             <a:endParaRPr lang="en-US"/>
           </a:p>
@@ -457,7 +457,7 @@
           <a:p>
             <a:fld id="{1D111DE1-2521-E24F-8084-98DD5DFF5F08}" type="datetimeFigureOut">
               <a:rPr lang="en-US" smtClean="0"/>
-              <a:t>7/30/20</a:t>
+              <a:t>3/3/23</a:t>
             </a:fld>
             <a:endParaRPr lang="en-US"/>
           </a:p>
@@ -665,7 +665,7 @@
           <a:p>
             <a:fld id="{1D111DE1-2521-E24F-8084-98DD5DFF5F08}" type="datetimeFigureOut">
               <a:rPr lang="en-US" smtClean="0"/>
-              <a:t>7/30/20</a:t>
+              <a:t>3/3/23</a:t>
             </a:fld>
             <a:endParaRPr lang="en-US"/>
           </a:p>
@@ -863,7 +863,7 @@
           <a:p>
             <a:fld id="{1D111DE1-2521-E24F-8084-98DD5DFF5F08}" type="datetimeFigureOut">
               <a:rPr lang="en-US" smtClean="0"/>
-              <a:t>7/30/20</a:t>
+              <a:t>3/3/23</a:t>
             </a:fld>
             <a:endParaRPr lang="en-US"/>
           </a:p>
@@ -1138,7 +1138,7 @@
           <a:p>
             <a:fld id="{1D111DE1-2521-E24F-8084-98DD5DFF5F08}" type="datetimeFigureOut">
               <a:rPr lang="en-US" smtClean="0"/>
-              <a:t>7/30/20</a:t>
+              <a:t>3/3/23</a:t>
             </a:fld>
             <a:endParaRPr lang="en-US"/>
           </a:p>
@@ -1403,7 +1403,7 @@
           <a:p>
             <a:fld id="{1D111DE1-2521-E24F-8084-98DD5DFF5F08}" type="datetimeFigureOut">
               <a:rPr lang="en-US" smtClean="0"/>
-              <a:t>7/30/20</a:t>
+              <a:t>3/3/23</a:t>
             </a:fld>
             <a:endParaRPr lang="en-US"/>
           </a:p>
@@ -1815,7 +1815,7 @@
           <a:p>
             <a:fld id="{1D111DE1-2521-E24F-8084-98DD5DFF5F08}" type="datetimeFigureOut">
               <a:rPr lang="en-US" smtClean="0"/>
-              <a:t>7/30/20</a:t>
+              <a:t>3/3/23</a:t>
             </a:fld>
             <a:endParaRPr lang="en-US"/>
           </a:p>
@@ -1956,7 +1956,7 @@
           <a:p>
             <a:fld id="{1D111DE1-2521-E24F-8084-98DD5DFF5F08}" type="datetimeFigureOut">
               <a:rPr lang="en-US" smtClean="0"/>
-              <a:t>7/30/20</a:t>
+              <a:t>3/3/23</a:t>
             </a:fld>
             <a:endParaRPr lang="en-US"/>
           </a:p>
@@ -2069,7 +2069,7 @@
           <a:p>
             <a:fld id="{1D111DE1-2521-E24F-8084-98DD5DFF5F08}" type="datetimeFigureOut">
               <a:rPr lang="en-US" smtClean="0"/>
-              <a:t>7/30/20</a:t>
+              <a:t>3/3/23</a:t>
             </a:fld>
             <a:endParaRPr lang="en-US"/>
           </a:p>
@@ -2380,7 +2380,7 @@
           <a:p>
             <a:fld id="{1D111DE1-2521-E24F-8084-98DD5DFF5F08}" type="datetimeFigureOut">
               <a:rPr lang="en-US" smtClean="0"/>
-              <a:t>7/30/20</a:t>
+              <a:t>3/3/23</a:t>
             </a:fld>
             <a:endParaRPr lang="en-US"/>
           </a:p>
@@ -2668,7 +2668,7 @@
           <a:p>
             <a:fld id="{1D111DE1-2521-E24F-8084-98DD5DFF5F08}" type="datetimeFigureOut">
               <a:rPr lang="en-US" smtClean="0"/>
-              <a:t>7/30/20</a:t>
+              <a:t>3/3/23</a:t>
             </a:fld>
             <a:endParaRPr lang="en-US"/>
           </a:p>
@@ -2909,7 +2909,7 @@
           <a:p>
             <a:fld id="{1D111DE1-2521-E24F-8084-98DD5DFF5F08}" type="datetimeFigureOut">
               <a:rPr lang="en-US" smtClean="0"/>
-              <a:t>7/30/20</a:t>
+              <a:t>3/3/23</a:t>
             </a:fld>
             <a:endParaRPr lang="en-US"/>
           </a:p>
@@ -3347,7 +3347,7 @@
         </p:blipFill>
         <p:spPr>
           <a:xfrm>
-            <a:off x="181431" y="750278"/>
+            <a:off x="179498" y="794351"/>
             <a:ext cx="697858" cy="5269297"/>
           </a:xfrm>
           <a:prstGeom prst="rect">
@@ -3441,13 +3441,13 @@
         </p:nvPicPr>
         <p:blipFill rotWithShape="1">
           <a:blip r:embed="rId3"/>
-          <a:srcRect l="3103" t="11448" r="11778"/>
+          <a:srcRect l="3167" t="11448" r="11778"/>
           <a:stretch/>
         </p:blipFill>
         <p:spPr>
           <a:xfrm>
-            <a:off x="725500" y="1117741"/>
-            <a:ext cx="4970531" cy="5170978"/>
+            <a:off x="729205" y="1117741"/>
+            <a:ext cx="4966826" cy="5170978"/>
           </a:xfrm>
           <a:prstGeom prst="rect">
             <a:avLst/>
